--- a/drafts/du pairs calcTotalColumns.pptx
+++ b/drafts/du pairs calcTotalColumns.pptx
@@ -7,6 +7,8 @@
   <p:sldIdLst>
     <p:sldId id="256" r:id="rId2"/>
     <p:sldId id="257" r:id="rId3"/>
+    <p:sldId id="258" r:id="rId4"/>
+    <p:sldId id="259" r:id="rId5"/>
   </p:sldIdLst>
   <p:sldSz cx="12192000" cy="6858000"/>
   <p:notesSz cx="6858000" cy="9144000"/>
@@ -105,6 +107,11 @@
       </a:defRPr>
     </a:lvl9pPr>
   </p:defaultTextStyle>
+  <p:extLst>
+    <p:ext uri="{EFAFB233-063F-42B5-8137-9DF3F51BA10A}">
+      <p15:sldGuideLst xmlns:p15="http://schemas.microsoft.com/office/powerpoint/2012/main"/>
+    </p:ext>
+  </p:extLst>
 </p:presentation>
 </file>
 
@@ -239,7 +246,7 @@
           <a:p>
             <a:fld id="{ED81A41D-0F35-47D3-9602-E6A894724C35}" type="datetimeFigureOut">
               <a:rPr lang="en-CA" smtClean="0"/>
-              <a:t>2022-03-03</a:t>
+              <a:t>2022-03-04</a:t>
             </a:fld>
             <a:endParaRPr lang="en-CA"/>
           </a:p>
@@ -409,7 +416,7 @@
           <a:p>
             <a:fld id="{ED81A41D-0F35-47D3-9602-E6A894724C35}" type="datetimeFigureOut">
               <a:rPr lang="en-CA" smtClean="0"/>
-              <a:t>2022-03-03</a:t>
+              <a:t>2022-03-04</a:t>
             </a:fld>
             <a:endParaRPr lang="en-CA"/>
           </a:p>
@@ -589,7 +596,7 @@
           <a:p>
             <a:fld id="{ED81A41D-0F35-47D3-9602-E6A894724C35}" type="datetimeFigureOut">
               <a:rPr lang="en-CA" smtClean="0"/>
-              <a:t>2022-03-03</a:t>
+              <a:t>2022-03-04</a:t>
             </a:fld>
             <a:endParaRPr lang="en-CA"/>
           </a:p>
@@ -759,7 +766,7 @@
           <a:p>
             <a:fld id="{ED81A41D-0F35-47D3-9602-E6A894724C35}" type="datetimeFigureOut">
               <a:rPr lang="en-CA" smtClean="0"/>
-              <a:t>2022-03-03</a:t>
+              <a:t>2022-03-04</a:t>
             </a:fld>
             <a:endParaRPr lang="en-CA"/>
           </a:p>
@@ -1005,7 +1012,7 @@
           <a:p>
             <a:fld id="{ED81A41D-0F35-47D3-9602-E6A894724C35}" type="datetimeFigureOut">
               <a:rPr lang="en-CA" smtClean="0"/>
-              <a:t>2022-03-03</a:t>
+              <a:t>2022-03-04</a:t>
             </a:fld>
             <a:endParaRPr lang="en-CA"/>
           </a:p>
@@ -1237,7 +1244,7 @@
           <a:p>
             <a:fld id="{ED81A41D-0F35-47D3-9602-E6A894724C35}" type="datetimeFigureOut">
               <a:rPr lang="en-CA" smtClean="0"/>
-              <a:t>2022-03-03</a:t>
+              <a:t>2022-03-04</a:t>
             </a:fld>
             <a:endParaRPr lang="en-CA"/>
           </a:p>
@@ -1604,7 +1611,7 @@
           <a:p>
             <a:fld id="{ED81A41D-0F35-47D3-9602-E6A894724C35}" type="datetimeFigureOut">
               <a:rPr lang="en-CA" smtClean="0"/>
-              <a:t>2022-03-03</a:t>
+              <a:t>2022-03-04</a:t>
             </a:fld>
             <a:endParaRPr lang="en-CA"/>
           </a:p>
@@ -1722,7 +1729,7 @@
           <a:p>
             <a:fld id="{ED81A41D-0F35-47D3-9602-E6A894724C35}" type="datetimeFigureOut">
               <a:rPr lang="en-CA" smtClean="0"/>
-              <a:t>2022-03-03</a:t>
+              <a:t>2022-03-04</a:t>
             </a:fld>
             <a:endParaRPr lang="en-CA"/>
           </a:p>
@@ -1817,7 +1824,7 @@
           <a:p>
             <a:fld id="{ED81A41D-0F35-47D3-9602-E6A894724C35}" type="datetimeFigureOut">
               <a:rPr lang="en-CA" smtClean="0"/>
-              <a:t>2022-03-03</a:t>
+              <a:t>2022-03-04</a:t>
             </a:fld>
             <a:endParaRPr lang="en-CA"/>
           </a:p>
@@ -2094,7 +2101,7 @@
           <a:p>
             <a:fld id="{ED81A41D-0F35-47D3-9602-E6A894724C35}" type="datetimeFigureOut">
               <a:rPr lang="en-CA" smtClean="0"/>
-              <a:t>2022-03-03</a:t>
+              <a:t>2022-03-04</a:t>
             </a:fld>
             <a:endParaRPr lang="en-CA"/>
           </a:p>
@@ -2347,7 +2354,7 @@
           <a:p>
             <a:fld id="{ED81A41D-0F35-47D3-9602-E6A894724C35}" type="datetimeFigureOut">
               <a:rPr lang="en-CA" smtClean="0"/>
-              <a:t>2022-03-03</a:t>
+              <a:t>2022-03-04</a:t>
             </a:fld>
             <a:endParaRPr lang="en-CA"/>
           </a:p>
@@ -2560,7 +2567,7 @@
           <a:p>
             <a:fld id="{ED81A41D-0F35-47D3-9602-E6A894724C35}" type="datetimeFigureOut">
               <a:rPr lang="en-CA" smtClean="0"/>
-              <a:t>2022-03-03</a:t>
+              <a:t>2022-03-04</a:t>
             </a:fld>
             <a:endParaRPr lang="en-CA"/>
           </a:p>
@@ -3951,6 +3958,132 @@
           </a:p>
         </p:txBody>
       </p:sp>
+      <p:cxnSp>
+        <p:nvCxnSpPr>
+          <p:cNvPr id="3" name="Straight Arrow Connector 2"/>
+          <p:cNvCxnSpPr/>
+          <p:nvPr/>
+        </p:nvCxnSpPr>
+        <p:spPr>
+          <a:xfrm>
+            <a:off x="438659" y="3918857"/>
+            <a:ext cx="192712" cy="364281"/>
+          </a:xfrm>
+          <a:prstGeom prst="straightConnector1">
+            <a:avLst/>
+          </a:prstGeom>
+          <a:ln>
+            <a:tailEnd type="triangle"/>
+          </a:ln>
+        </p:spPr>
+        <p:style>
+          <a:lnRef idx="1">
+            <a:schemeClr val="accent1"/>
+          </a:lnRef>
+          <a:fillRef idx="0">
+            <a:schemeClr val="accent1"/>
+          </a:fillRef>
+          <a:effectRef idx="0">
+            <a:schemeClr val="accent1"/>
+          </a:effectRef>
+          <a:fontRef idx="minor">
+            <a:schemeClr val="tx1"/>
+          </a:fontRef>
+        </p:style>
+      </p:cxnSp>
+      <p:sp>
+        <p:nvSpPr>
+          <p:cNvPr id="4" name="TextBox 3"/>
+          <p:cNvSpPr txBox="1"/>
+          <p:nvPr/>
+        </p:nvSpPr>
+        <p:spPr>
+          <a:xfrm>
+            <a:off x="138801" y="3586451"/>
+            <a:ext cx="599716" cy="369332"/>
+          </a:xfrm>
+          <a:prstGeom prst="rect">
+            <a:avLst/>
+          </a:prstGeom>
+          <a:noFill/>
+        </p:spPr>
+        <p:txBody>
+          <a:bodyPr wrap="none" rtlCol="0">
+            <a:spAutoFit/>
+          </a:bodyPr>
+          <a:lstStyle/>
+          <a:p>
+            <a:r>
+              <a:rPr lang="en-US" dirty="0" smtClean="0"/>
+              <a:t>data</a:t>
+            </a:r>
+            <a:endParaRPr lang="en-CA" dirty="0"/>
+          </a:p>
+        </p:txBody>
+      </p:sp>
+      <p:cxnSp>
+        <p:nvCxnSpPr>
+          <p:cNvPr id="37" name="Straight Arrow Connector 36"/>
+          <p:cNvCxnSpPr/>
+          <p:nvPr/>
+        </p:nvCxnSpPr>
+        <p:spPr>
+          <a:xfrm>
+            <a:off x="1080916" y="3951514"/>
+            <a:ext cx="192712" cy="364281"/>
+          </a:xfrm>
+          <a:prstGeom prst="straightConnector1">
+            <a:avLst/>
+          </a:prstGeom>
+          <a:ln>
+            <a:tailEnd type="triangle"/>
+          </a:ln>
+        </p:spPr>
+        <p:style>
+          <a:lnRef idx="1">
+            <a:schemeClr val="accent1"/>
+          </a:lnRef>
+          <a:fillRef idx="0">
+            <a:schemeClr val="accent1"/>
+          </a:fillRef>
+          <a:effectRef idx="0">
+            <a:schemeClr val="accent1"/>
+          </a:effectRef>
+          <a:fontRef idx="minor">
+            <a:schemeClr val="tx1"/>
+          </a:fontRef>
+        </p:style>
+      </p:cxnSp>
+      <p:sp>
+        <p:nvSpPr>
+          <p:cNvPr id="38" name="TextBox 37"/>
+          <p:cNvSpPr txBox="1"/>
+          <p:nvPr/>
+        </p:nvSpPr>
+        <p:spPr>
+          <a:xfrm>
+            <a:off x="781058" y="3619108"/>
+            <a:ext cx="883255" cy="369332"/>
+          </a:xfrm>
+          <a:prstGeom prst="rect">
+            <a:avLst/>
+          </a:prstGeom>
+          <a:noFill/>
+        </p:spPr>
+        <p:txBody>
+          <a:bodyPr wrap="none" rtlCol="0">
+            <a:spAutoFit/>
+          </a:bodyPr>
+          <a:lstStyle/>
+          <a:p>
+            <a:r>
+              <a:rPr lang="en-US" dirty="0" smtClean="0"/>
+              <a:t>column</a:t>
+            </a:r>
+            <a:endParaRPr lang="en-CA" dirty="0"/>
+          </a:p>
+        </p:txBody>
+      </p:sp>
     </p:spTree>
     <p:extLst>
       <p:ext uri="{BB962C8B-B14F-4D97-AF65-F5344CB8AC3E}">
@@ -4071,6 +4204,1520 @@
     <p:extLst>
       <p:ext uri="{BB962C8B-B14F-4D97-AF65-F5344CB8AC3E}">
         <p14:creationId xmlns:p14="http://schemas.microsoft.com/office/powerpoint/2010/main" val="4279481461"/>
+      </p:ext>
+    </p:extLst>
+  </p:cSld>
+  <p:clrMapOvr>
+    <a:masterClrMapping/>
+  </p:clrMapOvr>
+</p:sld>
+</file>
+
+<file path=ppt/slides/slide3.xml><?xml version="1.0" encoding="utf-8"?>
+<p:sld xmlns:a="http://schemas.openxmlformats.org/drawingml/2006/main" xmlns:r="http://schemas.openxmlformats.org/officeDocument/2006/relationships" xmlns:p="http://schemas.openxmlformats.org/presentationml/2006/main">
+  <p:cSld>
+    <p:spTree>
+      <p:nvGrpSpPr>
+        <p:cNvPr id="1" name=""/>
+        <p:cNvGrpSpPr/>
+        <p:nvPr/>
+      </p:nvGrpSpPr>
+      <p:grpSpPr>
+        <a:xfrm>
+          <a:off x="0" y="0"/>
+          <a:ext cx="0" cy="0"/>
+          <a:chOff x="0" y="0"/>
+          <a:chExt cx="0" cy="0"/>
+        </a:xfrm>
+      </p:grpSpPr>
+      <p:pic>
+        <p:nvPicPr>
+          <p:cNvPr id="4" name="Picture 3"/>
+          <p:cNvPicPr>
+            <a:picLocks noChangeAspect="1"/>
+          </p:cNvPicPr>
+          <p:nvPr/>
+        </p:nvPicPr>
+        <p:blipFill>
+          <a:blip r:embed="rId2" cstate="print">
+            <a:extLst>
+              <a:ext uri="{28A0092B-C50C-407E-A947-70E740481C1C}">
+                <a14:useLocalDpi xmlns:a14="http://schemas.microsoft.com/office/drawing/2010/main" val="0"/>
+              </a:ext>
+            </a:extLst>
+          </a:blip>
+          <a:stretch>
+            <a:fillRect/>
+          </a:stretch>
+        </p:blipFill>
+        <p:spPr>
+          <a:xfrm>
+            <a:off x="3007557" y="65316"/>
+            <a:ext cx="6176885" cy="6858000"/>
+          </a:xfrm>
+          <a:prstGeom prst="rect">
+            <a:avLst/>
+          </a:prstGeom>
+        </p:spPr>
+      </p:pic>
+      <p:sp>
+        <p:nvSpPr>
+          <p:cNvPr id="5" name="Right Brace 4"/>
+          <p:cNvSpPr/>
+          <p:nvPr/>
+        </p:nvSpPr>
+        <p:spPr>
+          <a:xfrm>
+            <a:off x="8784771" y="130629"/>
+            <a:ext cx="631372" cy="1055914"/>
+          </a:xfrm>
+          <a:prstGeom prst="rightBrace">
+            <a:avLst/>
+          </a:prstGeom>
+        </p:spPr>
+        <p:style>
+          <a:lnRef idx="1">
+            <a:schemeClr val="accent1"/>
+          </a:lnRef>
+          <a:fillRef idx="0">
+            <a:schemeClr val="accent1"/>
+          </a:fillRef>
+          <a:effectRef idx="0">
+            <a:schemeClr val="accent1"/>
+          </a:effectRef>
+          <a:fontRef idx="minor">
+            <a:schemeClr val="tx1"/>
+          </a:fontRef>
+        </p:style>
+        <p:txBody>
+          <a:bodyPr rtlCol="0" anchor="ctr"/>
+          <a:lstStyle/>
+          <a:p>
+            <a:pPr algn="ctr"/>
+            <a:endParaRPr lang="en-CA"/>
+          </a:p>
+        </p:txBody>
+      </p:sp>
+      <p:sp>
+        <p:nvSpPr>
+          <p:cNvPr id="6" name="TextBox 5"/>
+          <p:cNvSpPr txBox="1"/>
+          <p:nvPr/>
+        </p:nvSpPr>
+        <p:spPr>
+          <a:xfrm>
+            <a:off x="9614020" y="473920"/>
+            <a:ext cx="423514" cy="369332"/>
+          </a:xfrm>
+          <a:prstGeom prst="rect">
+            <a:avLst/>
+          </a:prstGeom>
+          <a:noFill/>
+        </p:spPr>
+        <p:txBody>
+          <a:bodyPr wrap="none" rtlCol="0">
+            <a:spAutoFit/>
+          </a:bodyPr>
+          <a:lstStyle/>
+          <a:p>
+            <a:r>
+              <a:rPr lang="en-US" dirty="0" smtClean="0"/>
+              <a:t>n1</a:t>
+            </a:r>
+            <a:endParaRPr lang="en-CA" dirty="0"/>
+          </a:p>
+        </p:txBody>
+      </p:sp>
+      <p:sp>
+        <p:nvSpPr>
+          <p:cNvPr id="7" name="Right Brace 6"/>
+          <p:cNvSpPr/>
+          <p:nvPr/>
+        </p:nvSpPr>
+        <p:spPr>
+          <a:xfrm>
+            <a:off x="8784771" y="1186543"/>
+            <a:ext cx="631372" cy="494909"/>
+          </a:xfrm>
+          <a:prstGeom prst="rightBrace">
+            <a:avLst/>
+          </a:prstGeom>
+        </p:spPr>
+        <p:style>
+          <a:lnRef idx="1">
+            <a:schemeClr val="accent1"/>
+          </a:lnRef>
+          <a:fillRef idx="0">
+            <a:schemeClr val="accent1"/>
+          </a:fillRef>
+          <a:effectRef idx="0">
+            <a:schemeClr val="accent1"/>
+          </a:effectRef>
+          <a:fontRef idx="minor">
+            <a:schemeClr val="tx1"/>
+          </a:fontRef>
+        </p:style>
+        <p:txBody>
+          <a:bodyPr rtlCol="0" anchor="ctr"/>
+          <a:lstStyle/>
+          <a:p>
+            <a:pPr algn="ctr"/>
+            <a:endParaRPr lang="en-CA"/>
+          </a:p>
+        </p:txBody>
+      </p:sp>
+      <p:sp>
+        <p:nvSpPr>
+          <p:cNvPr id="8" name="TextBox 7"/>
+          <p:cNvSpPr txBox="1"/>
+          <p:nvPr/>
+        </p:nvSpPr>
+        <p:spPr>
+          <a:xfrm>
+            <a:off x="9614020" y="1312120"/>
+            <a:ext cx="423514" cy="369332"/>
+          </a:xfrm>
+          <a:prstGeom prst="rect">
+            <a:avLst/>
+          </a:prstGeom>
+          <a:noFill/>
+        </p:spPr>
+        <p:txBody>
+          <a:bodyPr wrap="none" rtlCol="0">
+            <a:spAutoFit/>
+          </a:bodyPr>
+          <a:lstStyle/>
+          <a:p>
+            <a:r>
+              <a:rPr lang="en-US" dirty="0" smtClean="0"/>
+              <a:t>n2</a:t>
+            </a:r>
+            <a:endParaRPr lang="en-CA" dirty="0"/>
+          </a:p>
+        </p:txBody>
+      </p:sp>
+      <p:sp>
+        <p:nvSpPr>
+          <p:cNvPr id="9" name="Right Brace 8"/>
+          <p:cNvSpPr/>
+          <p:nvPr/>
+        </p:nvSpPr>
+        <p:spPr>
+          <a:xfrm>
+            <a:off x="8784771" y="1692723"/>
+            <a:ext cx="631372" cy="620486"/>
+          </a:xfrm>
+          <a:prstGeom prst="rightBrace">
+            <a:avLst/>
+          </a:prstGeom>
+        </p:spPr>
+        <p:style>
+          <a:lnRef idx="1">
+            <a:schemeClr val="accent1"/>
+          </a:lnRef>
+          <a:fillRef idx="0">
+            <a:schemeClr val="accent1"/>
+          </a:fillRef>
+          <a:effectRef idx="0">
+            <a:schemeClr val="accent1"/>
+          </a:effectRef>
+          <a:fontRef idx="minor">
+            <a:schemeClr val="tx1"/>
+          </a:fontRef>
+        </p:style>
+        <p:txBody>
+          <a:bodyPr rtlCol="0" anchor="ctr"/>
+          <a:lstStyle/>
+          <a:p>
+            <a:pPr algn="ctr"/>
+            <a:endParaRPr lang="en-CA"/>
+          </a:p>
+        </p:txBody>
+      </p:sp>
+      <p:sp>
+        <p:nvSpPr>
+          <p:cNvPr id="10" name="TextBox 9"/>
+          <p:cNvSpPr txBox="1"/>
+          <p:nvPr/>
+        </p:nvSpPr>
+        <p:spPr>
+          <a:xfrm>
+            <a:off x="9603134" y="1763877"/>
+            <a:ext cx="423514" cy="369332"/>
+          </a:xfrm>
+          <a:prstGeom prst="rect">
+            <a:avLst/>
+          </a:prstGeom>
+          <a:noFill/>
+        </p:spPr>
+        <p:txBody>
+          <a:bodyPr wrap="none" rtlCol="0">
+            <a:spAutoFit/>
+          </a:bodyPr>
+          <a:lstStyle/>
+          <a:p>
+            <a:r>
+              <a:rPr lang="en-US" dirty="0" smtClean="0"/>
+              <a:t>n3</a:t>
+            </a:r>
+            <a:endParaRPr lang="en-CA" dirty="0"/>
+          </a:p>
+        </p:txBody>
+      </p:sp>
+      <p:sp>
+        <p:nvSpPr>
+          <p:cNvPr id="11" name="Right Brace 10"/>
+          <p:cNvSpPr/>
+          <p:nvPr/>
+        </p:nvSpPr>
+        <p:spPr>
+          <a:xfrm>
+            <a:off x="8767859" y="2313209"/>
+            <a:ext cx="631372" cy="403943"/>
+          </a:xfrm>
+          <a:prstGeom prst="rightBrace">
+            <a:avLst/>
+          </a:prstGeom>
+        </p:spPr>
+        <p:style>
+          <a:lnRef idx="1">
+            <a:schemeClr val="accent1"/>
+          </a:lnRef>
+          <a:fillRef idx="0">
+            <a:schemeClr val="accent1"/>
+          </a:fillRef>
+          <a:effectRef idx="0">
+            <a:schemeClr val="accent1"/>
+          </a:effectRef>
+          <a:fontRef idx="minor">
+            <a:schemeClr val="tx1"/>
+          </a:fontRef>
+        </p:style>
+        <p:txBody>
+          <a:bodyPr rtlCol="0" anchor="ctr"/>
+          <a:lstStyle/>
+          <a:p>
+            <a:pPr algn="ctr"/>
+            <a:endParaRPr lang="en-CA"/>
+          </a:p>
+        </p:txBody>
+      </p:sp>
+      <p:sp>
+        <p:nvSpPr>
+          <p:cNvPr id="12" name="TextBox 11"/>
+          <p:cNvSpPr txBox="1"/>
+          <p:nvPr/>
+        </p:nvSpPr>
+        <p:spPr>
+          <a:xfrm>
+            <a:off x="9496998" y="2331881"/>
+            <a:ext cx="423514" cy="369332"/>
+          </a:xfrm>
+          <a:prstGeom prst="rect">
+            <a:avLst/>
+          </a:prstGeom>
+          <a:noFill/>
+        </p:spPr>
+        <p:txBody>
+          <a:bodyPr wrap="none" rtlCol="0">
+            <a:spAutoFit/>
+          </a:bodyPr>
+          <a:lstStyle/>
+          <a:p>
+            <a:r>
+              <a:rPr lang="en-US" dirty="0" smtClean="0"/>
+              <a:t>n4</a:t>
+            </a:r>
+            <a:endParaRPr lang="en-CA" dirty="0"/>
+          </a:p>
+        </p:txBody>
+      </p:sp>
+      <p:sp>
+        <p:nvSpPr>
+          <p:cNvPr id="13" name="Right Brace 12"/>
+          <p:cNvSpPr/>
+          <p:nvPr/>
+        </p:nvSpPr>
+        <p:spPr>
+          <a:xfrm>
+            <a:off x="7014422" y="2955471"/>
+            <a:ext cx="631372" cy="620486"/>
+          </a:xfrm>
+          <a:prstGeom prst="rightBrace">
+            <a:avLst/>
+          </a:prstGeom>
+        </p:spPr>
+        <p:style>
+          <a:lnRef idx="1">
+            <a:schemeClr val="accent1"/>
+          </a:lnRef>
+          <a:fillRef idx="0">
+            <a:schemeClr val="accent1"/>
+          </a:fillRef>
+          <a:effectRef idx="0">
+            <a:schemeClr val="accent1"/>
+          </a:effectRef>
+          <a:fontRef idx="minor">
+            <a:schemeClr val="tx1"/>
+          </a:fontRef>
+        </p:style>
+        <p:txBody>
+          <a:bodyPr rtlCol="0" anchor="ctr"/>
+          <a:lstStyle/>
+          <a:p>
+            <a:pPr algn="ctr"/>
+            <a:endParaRPr lang="en-CA"/>
+          </a:p>
+        </p:txBody>
+      </p:sp>
+      <p:sp>
+        <p:nvSpPr>
+          <p:cNvPr id="14" name="TextBox 13"/>
+          <p:cNvSpPr txBox="1"/>
+          <p:nvPr/>
+        </p:nvSpPr>
+        <p:spPr>
+          <a:xfrm>
+            <a:off x="7843671" y="3081048"/>
+            <a:ext cx="423514" cy="369332"/>
+          </a:xfrm>
+          <a:prstGeom prst="rect">
+            <a:avLst/>
+          </a:prstGeom>
+          <a:noFill/>
+        </p:spPr>
+        <p:txBody>
+          <a:bodyPr wrap="none" rtlCol="0">
+            <a:spAutoFit/>
+          </a:bodyPr>
+          <a:lstStyle/>
+          <a:p>
+            <a:r>
+              <a:rPr lang="en-US" dirty="0" smtClean="0"/>
+              <a:t>n5</a:t>
+            </a:r>
+            <a:endParaRPr lang="en-CA" dirty="0"/>
+          </a:p>
+        </p:txBody>
+      </p:sp>
+      <p:sp>
+        <p:nvSpPr>
+          <p:cNvPr id="15" name="Right Brace 14"/>
+          <p:cNvSpPr/>
+          <p:nvPr/>
+        </p:nvSpPr>
+        <p:spPr>
+          <a:xfrm>
+            <a:off x="7014422" y="3586839"/>
+            <a:ext cx="631372" cy="620486"/>
+          </a:xfrm>
+          <a:prstGeom prst="rightBrace">
+            <a:avLst/>
+          </a:prstGeom>
+        </p:spPr>
+        <p:style>
+          <a:lnRef idx="1">
+            <a:schemeClr val="accent1"/>
+          </a:lnRef>
+          <a:fillRef idx="0">
+            <a:schemeClr val="accent1"/>
+          </a:fillRef>
+          <a:effectRef idx="0">
+            <a:schemeClr val="accent1"/>
+          </a:effectRef>
+          <a:fontRef idx="minor">
+            <a:schemeClr val="tx1"/>
+          </a:fontRef>
+        </p:style>
+        <p:txBody>
+          <a:bodyPr rtlCol="0" anchor="ctr"/>
+          <a:lstStyle/>
+          <a:p>
+            <a:pPr algn="ctr"/>
+            <a:endParaRPr lang="en-CA"/>
+          </a:p>
+        </p:txBody>
+      </p:sp>
+      <p:sp>
+        <p:nvSpPr>
+          <p:cNvPr id="16" name="TextBox 15"/>
+          <p:cNvSpPr txBox="1"/>
+          <p:nvPr/>
+        </p:nvSpPr>
+        <p:spPr>
+          <a:xfrm>
+            <a:off x="7843671" y="3712416"/>
+            <a:ext cx="423514" cy="369332"/>
+          </a:xfrm>
+          <a:prstGeom prst="rect">
+            <a:avLst/>
+          </a:prstGeom>
+          <a:noFill/>
+        </p:spPr>
+        <p:txBody>
+          <a:bodyPr wrap="none" rtlCol="0">
+            <a:spAutoFit/>
+          </a:bodyPr>
+          <a:lstStyle/>
+          <a:p>
+            <a:r>
+              <a:rPr lang="en-US" dirty="0" smtClean="0"/>
+              <a:t>n6</a:t>
+            </a:r>
+            <a:endParaRPr lang="en-CA" dirty="0"/>
+          </a:p>
+        </p:txBody>
+      </p:sp>
+      <p:sp>
+        <p:nvSpPr>
+          <p:cNvPr id="17" name="Right Brace 16"/>
+          <p:cNvSpPr/>
+          <p:nvPr/>
+        </p:nvSpPr>
+        <p:spPr>
+          <a:xfrm flipH="1">
+            <a:off x="3122719" y="3467490"/>
+            <a:ext cx="631372" cy="620486"/>
+          </a:xfrm>
+          <a:prstGeom prst="rightBrace">
+            <a:avLst/>
+          </a:prstGeom>
+        </p:spPr>
+        <p:style>
+          <a:lnRef idx="1">
+            <a:schemeClr val="accent1"/>
+          </a:lnRef>
+          <a:fillRef idx="0">
+            <a:schemeClr val="accent1"/>
+          </a:fillRef>
+          <a:effectRef idx="0">
+            <a:schemeClr val="accent1"/>
+          </a:effectRef>
+          <a:fontRef idx="minor">
+            <a:schemeClr val="tx1"/>
+          </a:fontRef>
+        </p:style>
+        <p:txBody>
+          <a:bodyPr rtlCol="0" anchor="ctr"/>
+          <a:lstStyle/>
+          <a:p>
+            <a:pPr algn="ctr"/>
+            <a:endParaRPr lang="en-CA"/>
+          </a:p>
+        </p:txBody>
+      </p:sp>
+      <p:sp>
+        <p:nvSpPr>
+          <p:cNvPr id="18" name="TextBox 17"/>
+          <p:cNvSpPr txBox="1"/>
+          <p:nvPr/>
+        </p:nvSpPr>
+        <p:spPr>
+          <a:xfrm>
+            <a:off x="2585873" y="3521528"/>
+            <a:ext cx="423514" cy="369332"/>
+          </a:xfrm>
+          <a:prstGeom prst="rect">
+            <a:avLst/>
+          </a:prstGeom>
+          <a:noFill/>
+        </p:spPr>
+        <p:txBody>
+          <a:bodyPr wrap="none" rtlCol="0">
+            <a:spAutoFit/>
+          </a:bodyPr>
+          <a:lstStyle/>
+          <a:p>
+            <a:r>
+              <a:rPr lang="en-US" dirty="0" smtClean="0"/>
+              <a:t>n7</a:t>
+            </a:r>
+            <a:endParaRPr lang="en-CA" dirty="0"/>
+          </a:p>
+        </p:txBody>
+      </p:sp>
+      <p:sp>
+        <p:nvSpPr>
+          <p:cNvPr id="19" name="Right Brace 18"/>
+          <p:cNvSpPr/>
+          <p:nvPr/>
+        </p:nvSpPr>
+        <p:spPr>
+          <a:xfrm flipH="1">
+            <a:off x="3155373" y="4131522"/>
+            <a:ext cx="631372" cy="527564"/>
+          </a:xfrm>
+          <a:prstGeom prst="rightBrace">
+            <a:avLst/>
+          </a:prstGeom>
+        </p:spPr>
+        <p:style>
+          <a:lnRef idx="1">
+            <a:schemeClr val="accent1"/>
+          </a:lnRef>
+          <a:fillRef idx="0">
+            <a:schemeClr val="accent1"/>
+          </a:fillRef>
+          <a:effectRef idx="0">
+            <a:schemeClr val="accent1"/>
+          </a:effectRef>
+          <a:fontRef idx="minor">
+            <a:schemeClr val="tx1"/>
+          </a:fontRef>
+        </p:style>
+        <p:txBody>
+          <a:bodyPr rtlCol="0" anchor="ctr"/>
+          <a:lstStyle/>
+          <a:p>
+            <a:pPr algn="ctr"/>
+            <a:endParaRPr lang="en-CA"/>
+          </a:p>
+        </p:txBody>
+      </p:sp>
+      <p:sp>
+        <p:nvSpPr>
+          <p:cNvPr id="20" name="TextBox 19"/>
+          <p:cNvSpPr txBox="1"/>
+          <p:nvPr/>
+        </p:nvSpPr>
+        <p:spPr>
+          <a:xfrm>
+            <a:off x="2618527" y="4185560"/>
+            <a:ext cx="423514" cy="369332"/>
+          </a:xfrm>
+          <a:prstGeom prst="rect">
+            <a:avLst/>
+          </a:prstGeom>
+          <a:noFill/>
+        </p:spPr>
+        <p:txBody>
+          <a:bodyPr wrap="none" rtlCol="0">
+            <a:spAutoFit/>
+          </a:bodyPr>
+          <a:lstStyle/>
+          <a:p>
+            <a:r>
+              <a:rPr lang="en-US" dirty="0" smtClean="0"/>
+              <a:t>n8</a:t>
+            </a:r>
+            <a:endParaRPr lang="en-CA" dirty="0"/>
+          </a:p>
+        </p:txBody>
+      </p:sp>
+      <p:sp>
+        <p:nvSpPr>
+          <p:cNvPr id="21" name="Right Brace 20"/>
+          <p:cNvSpPr/>
+          <p:nvPr/>
+        </p:nvSpPr>
+        <p:spPr>
+          <a:xfrm flipH="1">
+            <a:off x="3155372" y="4741118"/>
+            <a:ext cx="631372" cy="620486"/>
+          </a:xfrm>
+          <a:prstGeom prst="rightBrace">
+            <a:avLst/>
+          </a:prstGeom>
+        </p:spPr>
+        <p:style>
+          <a:lnRef idx="1">
+            <a:schemeClr val="accent1"/>
+          </a:lnRef>
+          <a:fillRef idx="0">
+            <a:schemeClr val="accent1"/>
+          </a:fillRef>
+          <a:effectRef idx="0">
+            <a:schemeClr val="accent1"/>
+          </a:effectRef>
+          <a:fontRef idx="minor">
+            <a:schemeClr val="tx1"/>
+          </a:fontRef>
+        </p:style>
+        <p:txBody>
+          <a:bodyPr rtlCol="0" anchor="ctr"/>
+          <a:lstStyle/>
+          <a:p>
+            <a:pPr algn="ctr"/>
+            <a:endParaRPr lang="en-CA"/>
+          </a:p>
+        </p:txBody>
+      </p:sp>
+      <p:sp>
+        <p:nvSpPr>
+          <p:cNvPr id="22" name="TextBox 21"/>
+          <p:cNvSpPr txBox="1"/>
+          <p:nvPr/>
+        </p:nvSpPr>
+        <p:spPr>
+          <a:xfrm>
+            <a:off x="2640298" y="4914902"/>
+            <a:ext cx="423514" cy="369332"/>
+          </a:xfrm>
+          <a:prstGeom prst="rect">
+            <a:avLst/>
+          </a:prstGeom>
+          <a:noFill/>
+        </p:spPr>
+        <p:txBody>
+          <a:bodyPr wrap="none" rtlCol="0">
+            <a:spAutoFit/>
+          </a:bodyPr>
+          <a:lstStyle/>
+          <a:p>
+            <a:r>
+              <a:rPr lang="en-US" dirty="0" smtClean="0"/>
+              <a:t>n9</a:t>
+            </a:r>
+            <a:endParaRPr lang="en-CA" dirty="0"/>
+          </a:p>
+        </p:txBody>
+      </p:sp>
+      <p:sp>
+        <p:nvSpPr>
+          <p:cNvPr id="23" name="Right Brace 22"/>
+          <p:cNvSpPr/>
+          <p:nvPr/>
+        </p:nvSpPr>
+        <p:spPr>
+          <a:xfrm>
+            <a:off x="7014422" y="6397880"/>
+            <a:ext cx="631372" cy="431149"/>
+          </a:xfrm>
+          <a:prstGeom prst="rightBrace">
+            <a:avLst/>
+          </a:prstGeom>
+        </p:spPr>
+        <p:style>
+          <a:lnRef idx="1">
+            <a:schemeClr val="accent1"/>
+          </a:lnRef>
+          <a:fillRef idx="0">
+            <a:schemeClr val="accent1"/>
+          </a:fillRef>
+          <a:effectRef idx="0">
+            <a:schemeClr val="accent1"/>
+          </a:effectRef>
+          <a:fontRef idx="minor">
+            <a:schemeClr val="tx1"/>
+          </a:fontRef>
+        </p:style>
+        <p:txBody>
+          <a:bodyPr rtlCol="0" anchor="ctr"/>
+          <a:lstStyle/>
+          <a:p>
+            <a:pPr algn="ctr"/>
+            <a:endParaRPr lang="en-CA"/>
+          </a:p>
+        </p:txBody>
+      </p:sp>
+      <p:sp>
+        <p:nvSpPr>
+          <p:cNvPr id="24" name="TextBox 23"/>
+          <p:cNvSpPr txBox="1"/>
+          <p:nvPr/>
+        </p:nvSpPr>
+        <p:spPr>
+          <a:xfrm>
+            <a:off x="7778355" y="6428797"/>
+            <a:ext cx="540533" cy="369332"/>
+          </a:xfrm>
+          <a:prstGeom prst="rect">
+            <a:avLst/>
+          </a:prstGeom>
+          <a:noFill/>
+        </p:spPr>
+        <p:txBody>
+          <a:bodyPr wrap="none" rtlCol="0">
+            <a:spAutoFit/>
+          </a:bodyPr>
+          <a:lstStyle/>
+          <a:p>
+            <a:r>
+              <a:rPr lang="en-US" dirty="0" smtClean="0"/>
+              <a:t>n12</a:t>
+            </a:r>
+            <a:endParaRPr lang="en-CA" dirty="0"/>
+          </a:p>
+        </p:txBody>
+      </p:sp>
+      <p:sp>
+        <p:nvSpPr>
+          <p:cNvPr id="25" name="TextBox 24"/>
+          <p:cNvSpPr txBox="1"/>
+          <p:nvPr/>
+        </p:nvSpPr>
+        <p:spPr>
+          <a:xfrm>
+            <a:off x="5123691" y="1681452"/>
+            <a:ext cx="617477" cy="369332"/>
+          </a:xfrm>
+          <a:prstGeom prst="rect">
+            <a:avLst/>
+          </a:prstGeom>
+          <a:noFill/>
+        </p:spPr>
+        <p:txBody>
+          <a:bodyPr wrap="none" rtlCol="0">
+            <a:spAutoFit/>
+          </a:bodyPr>
+          <a:lstStyle/>
+          <a:p>
+            <a:r>
+              <a:rPr lang="en-US" dirty="0" smtClean="0"/>
+              <a:t>(1,3)</a:t>
+            </a:r>
+            <a:endParaRPr lang="en-CA" dirty="0"/>
+          </a:p>
+        </p:txBody>
+      </p:sp>
+      <p:sp>
+        <p:nvSpPr>
+          <p:cNvPr id="26" name="TextBox 25"/>
+          <p:cNvSpPr txBox="1"/>
+          <p:nvPr/>
+        </p:nvSpPr>
+        <p:spPr>
+          <a:xfrm>
+            <a:off x="3786744" y="305974"/>
+            <a:ext cx="617477" cy="369332"/>
+          </a:xfrm>
+          <a:prstGeom prst="rect">
+            <a:avLst/>
+          </a:prstGeom>
+          <a:noFill/>
+        </p:spPr>
+        <p:txBody>
+          <a:bodyPr wrap="none" rtlCol="0">
+            <a:spAutoFit/>
+          </a:bodyPr>
+          <a:lstStyle/>
+          <a:p>
+            <a:r>
+              <a:rPr lang="en-US" dirty="0" smtClean="0"/>
+              <a:t>(1,1)</a:t>
+            </a:r>
+            <a:endParaRPr lang="en-CA" dirty="0"/>
+          </a:p>
+        </p:txBody>
+      </p:sp>
+      <p:sp>
+        <p:nvSpPr>
+          <p:cNvPr id="27" name="TextBox 26"/>
+          <p:cNvSpPr txBox="1"/>
+          <p:nvPr/>
+        </p:nvSpPr>
+        <p:spPr>
+          <a:xfrm>
+            <a:off x="503975" y="3499367"/>
+            <a:ext cx="1683474" cy="369332"/>
+          </a:xfrm>
+          <a:prstGeom prst="rect">
+            <a:avLst/>
+          </a:prstGeom>
+          <a:noFill/>
+        </p:spPr>
+        <p:txBody>
+          <a:bodyPr wrap="none" rtlCol="0">
+            <a:spAutoFit/>
+          </a:bodyPr>
+          <a:lstStyle/>
+          <a:p>
+            <a:r>
+              <a:rPr lang="en-US" dirty="0" smtClean="0"/>
+              <a:t>(</a:t>
+            </a:r>
+            <a:r>
+              <a:rPr lang="en-US" dirty="0" smtClean="0"/>
+              <a:t>1,7),(&lt;</a:t>
+            </a:r>
+            <a:r>
+              <a:rPr lang="en-US" dirty="0" smtClean="0"/>
+              <a:t>4, 10&gt;,7)</a:t>
+            </a:r>
+            <a:endParaRPr lang="en-CA" dirty="0"/>
+          </a:p>
+        </p:txBody>
+      </p:sp>
+      <p:sp>
+        <p:nvSpPr>
+          <p:cNvPr id="28" name="TextBox 27"/>
+          <p:cNvSpPr txBox="1"/>
+          <p:nvPr/>
+        </p:nvSpPr>
+        <p:spPr>
+          <a:xfrm>
+            <a:off x="8267264" y="3065884"/>
+            <a:ext cx="1736373" cy="369332"/>
+          </a:xfrm>
+          <a:prstGeom prst="rect">
+            <a:avLst/>
+          </a:prstGeom>
+          <a:noFill/>
+        </p:spPr>
+        <p:txBody>
+          <a:bodyPr wrap="none" rtlCol="0">
+            <a:spAutoFit/>
+          </a:bodyPr>
+          <a:lstStyle/>
+          <a:p>
+            <a:r>
+              <a:rPr lang="en-US" dirty="0" smtClean="0"/>
+              <a:t>(&lt;4, </a:t>
+            </a:r>
+            <a:r>
+              <a:rPr lang="en-US" dirty="0" smtClean="0"/>
+              <a:t>12&gt;,</a:t>
+            </a:r>
+            <a:r>
+              <a:rPr lang="en-US" dirty="0" smtClean="0"/>
+              <a:t>5), </a:t>
+            </a:r>
+            <a:r>
+              <a:rPr lang="en-US" dirty="0" smtClean="0"/>
+              <a:t>(1,5</a:t>
+            </a:r>
+            <a:r>
+              <a:rPr lang="en-US" dirty="0" smtClean="0"/>
+              <a:t>)</a:t>
+            </a:r>
+            <a:endParaRPr lang="en-CA" dirty="0"/>
+          </a:p>
+        </p:txBody>
+      </p:sp>
+      <p:sp>
+        <p:nvSpPr>
+          <p:cNvPr id="29" name="TextBox 28"/>
+          <p:cNvSpPr txBox="1"/>
+          <p:nvPr/>
+        </p:nvSpPr>
+        <p:spPr>
+          <a:xfrm>
+            <a:off x="8643336" y="3767232"/>
+            <a:ext cx="1140056" cy="369332"/>
+          </a:xfrm>
+          <a:prstGeom prst="rect">
+            <a:avLst/>
+          </a:prstGeom>
+          <a:noFill/>
+        </p:spPr>
+        <p:txBody>
+          <a:bodyPr wrap="none" rtlCol="0">
+            <a:spAutoFit/>
+          </a:bodyPr>
+          <a:lstStyle/>
+          <a:p>
+            <a:r>
+              <a:rPr lang="en-US" dirty="0" smtClean="0"/>
+              <a:t>(&lt;</a:t>
+            </a:r>
+            <a:r>
+              <a:rPr lang="en-US" dirty="0" smtClean="0"/>
+              <a:t>2,11&gt;,</a:t>
+            </a:r>
+            <a:r>
+              <a:rPr lang="en-US" dirty="0" smtClean="0"/>
+              <a:t>6)</a:t>
+            </a:r>
+            <a:endParaRPr lang="en-CA" dirty="0"/>
+          </a:p>
+        </p:txBody>
+      </p:sp>
+      <p:sp>
+        <p:nvSpPr>
+          <p:cNvPr id="30" name="TextBox 29"/>
+          <p:cNvSpPr txBox="1"/>
+          <p:nvPr/>
+        </p:nvSpPr>
+        <p:spPr>
+          <a:xfrm>
+            <a:off x="1570241" y="4163396"/>
+            <a:ext cx="1160895" cy="369332"/>
+          </a:xfrm>
+          <a:prstGeom prst="rect">
+            <a:avLst/>
+          </a:prstGeom>
+          <a:noFill/>
+        </p:spPr>
+        <p:txBody>
+          <a:bodyPr wrap="none" rtlCol="0">
+            <a:spAutoFit/>
+          </a:bodyPr>
+          <a:lstStyle/>
+          <a:p>
+            <a:r>
+              <a:rPr lang="en-US" dirty="0" smtClean="0"/>
+              <a:t>(7,8</a:t>
+            </a:r>
+            <a:r>
+              <a:rPr lang="en-US" dirty="0"/>
+              <a:t>), </a:t>
+            </a:r>
+            <a:r>
+              <a:rPr lang="en-US" dirty="0" smtClean="0"/>
+              <a:t>(3,8)</a:t>
+            </a:r>
+            <a:endParaRPr lang="en-CA" dirty="0"/>
+          </a:p>
+        </p:txBody>
+      </p:sp>
+      <p:sp>
+        <p:nvSpPr>
+          <p:cNvPr id="31" name="TextBox 30"/>
+          <p:cNvSpPr txBox="1"/>
+          <p:nvPr/>
+        </p:nvSpPr>
+        <p:spPr>
+          <a:xfrm>
+            <a:off x="929402" y="4926580"/>
+            <a:ext cx="1704313" cy="369332"/>
+          </a:xfrm>
+          <a:prstGeom prst="rect">
+            <a:avLst/>
+          </a:prstGeom>
+          <a:noFill/>
+        </p:spPr>
+        <p:txBody>
+          <a:bodyPr wrap="none" rtlCol="0">
+            <a:spAutoFit/>
+          </a:bodyPr>
+          <a:lstStyle/>
+          <a:p>
+            <a:r>
+              <a:rPr lang="en-US" dirty="0" smtClean="0"/>
+              <a:t>(1,9), (1,9), </a:t>
+            </a:r>
+            <a:r>
+              <a:rPr lang="en-US" dirty="0" smtClean="0"/>
+              <a:t>(7,9)</a:t>
+            </a:r>
+            <a:endParaRPr lang="en-CA" dirty="0"/>
+          </a:p>
+        </p:txBody>
+      </p:sp>
+      <p:sp>
+        <p:nvSpPr>
+          <p:cNvPr id="32" name="TextBox 31"/>
+          <p:cNvSpPr txBox="1"/>
+          <p:nvPr/>
+        </p:nvSpPr>
+        <p:spPr>
+          <a:xfrm>
+            <a:off x="8333465" y="6435024"/>
+            <a:ext cx="1309974" cy="369332"/>
+          </a:xfrm>
+          <a:prstGeom prst="rect">
+            <a:avLst/>
+          </a:prstGeom>
+          <a:noFill/>
+        </p:spPr>
+        <p:txBody>
+          <a:bodyPr wrap="none" rtlCol="0">
+            <a:spAutoFit/>
+          </a:bodyPr>
+          <a:lstStyle/>
+          <a:p>
+            <a:r>
+              <a:rPr lang="en-US" dirty="0" smtClean="0"/>
+              <a:t>(&lt;4, </a:t>
+            </a:r>
+            <a:r>
+              <a:rPr lang="en-US" dirty="0" smtClean="0"/>
+              <a:t>12&gt;,12)</a:t>
+            </a:r>
+            <a:endParaRPr lang="en-CA" dirty="0"/>
+          </a:p>
+        </p:txBody>
+      </p:sp>
+      <p:sp>
+        <p:nvSpPr>
+          <p:cNvPr id="33" name="TextBox 32"/>
+          <p:cNvSpPr txBox="1"/>
+          <p:nvPr/>
+        </p:nvSpPr>
+        <p:spPr>
+          <a:xfrm>
+            <a:off x="428978" y="1186543"/>
+            <a:ext cx="4120230" cy="646331"/>
+          </a:xfrm>
+          <a:prstGeom prst="rect">
+            <a:avLst/>
+          </a:prstGeom>
+          <a:noFill/>
+        </p:spPr>
+        <p:txBody>
+          <a:bodyPr wrap="none" rtlCol="0">
+            <a:spAutoFit/>
+          </a:bodyPr>
+          <a:lstStyle/>
+          <a:p>
+            <a:r>
+              <a:rPr lang="en-US" dirty="0" smtClean="0"/>
+              <a:t>Definition of pairs:</a:t>
+            </a:r>
+          </a:p>
+          <a:p>
+            <a:r>
+              <a:rPr lang="en-US" dirty="0" smtClean="0"/>
+              <a:t>(where value is assigned, where it is used)</a:t>
+            </a:r>
+            <a:endParaRPr lang="en-CA" dirty="0"/>
+          </a:p>
+        </p:txBody>
+      </p:sp>
+      <p:sp>
+        <p:nvSpPr>
+          <p:cNvPr id="34" name="Right Brace 33"/>
+          <p:cNvSpPr/>
+          <p:nvPr/>
+        </p:nvSpPr>
+        <p:spPr>
+          <a:xfrm flipH="1">
+            <a:off x="3086215" y="5361604"/>
+            <a:ext cx="631372" cy="360988"/>
+          </a:xfrm>
+          <a:prstGeom prst="rightBrace">
+            <a:avLst/>
+          </a:prstGeom>
+        </p:spPr>
+        <p:style>
+          <a:lnRef idx="1">
+            <a:schemeClr val="accent1"/>
+          </a:lnRef>
+          <a:fillRef idx="0">
+            <a:schemeClr val="accent1"/>
+          </a:fillRef>
+          <a:effectRef idx="0">
+            <a:schemeClr val="accent1"/>
+          </a:effectRef>
+          <a:fontRef idx="minor">
+            <a:schemeClr val="tx1"/>
+          </a:fontRef>
+        </p:style>
+        <p:txBody>
+          <a:bodyPr rtlCol="0" anchor="ctr"/>
+          <a:lstStyle/>
+          <a:p>
+            <a:pPr algn="ctr"/>
+            <a:endParaRPr lang="en-CA"/>
+          </a:p>
+        </p:txBody>
+      </p:sp>
+      <p:sp>
+        <p:nvSpPr>
+          <p:cNvPr id="35" name="TextBox 34"/>
+          <p:cNvSpPr txBox="1"/>
+          <p:nvPr/>
+        </p:nvSpPr>
+        <p:spPr>
+          <a:xfrm>
+            <a:off x="2520549" y="5339452"/>
+            <a:ext cx="540533" cy="369332"/>
+          </a:xfrm>
+          <a:prstGeom prst="rect">
+            <a:avLst/>
+          </a:prstGeom>
+          <a:noFill/>
+        </p:spPr>
+        <p:txBody>
+          <a:bodyPr wrap="none" rtlCol="0">
+            <a:spAutoFit/>
+          </a:bodyPr>
+          <a:lstStyle/>
+          <a:p>
+            <a:r>
+              <a:rPr lang="en-US" dirty="0" smtClean="0"/>
+              <a:t>n10</a:t>
+            </a:r>
+            <a:endParaRPr lang="en-CA" dirty="0"/>
+          </a:p>
+        </p:txBody>
+      </p:sp>
+      <p:sp>
+        <p:nvSpPr>
+          <p:cNvPr id="36" name="Right Brace 35"/>
+          <p:cNvSpPr/>
+          <p:nvPr/>
+        </p:nvSpPr>
+        <p:spPr>
+          <a:xfrm flipH="1">
+            <a:off x="2433074" y="5982093"/>
+            <a:ext cx="631372" cy="360988"/>
+          </a:xfrm>
+          <a:prstGeom prst="rightBrace">
+            <a:avLst/>
+          </a:prstGeom>
+        </p:spPr>
+        <p:style>
+          <a:lnRef idx="1">
+            <a:schemeClr val="accent1"/>
+          </a:lnRef>
+          <a:fillRef idx="0">
+            <a:schemeClr val="accent1"/>
+          </a:fillRef>
+          <a:effectRef idx="0">
+            <a:schemeClr val="accent1"/>
+          </a:effectRef>
+          <a:fontRef idx="minor">
+            <a:schemeClr val="tx1"/>
+          </a:fontRef>
+        </p:style>
+        <p:txBody>
+          <a:bodyPr rtlCol="0" anchor="ctr"/>
+          <a:lstStyle/>
+          <a:p>
+            <a:pPr algn="ctr"/>
+            <a:endParaRPr lang="en-CA"/>
+          </a:p>
+        </p:txBody>
+      </p:sp>
+      <p:sp>
+        <p:nvSpPr>
+          <p:cNvPr id="37" name="TextBox 36"/>
+          <p:cNvSpPr txBox="1"/>
+          <p:nvPr/>
+        </p:nvSpPr>
+        <p:spPr>
+          <a:xfrm>
+            <a:off x="1921838" y="5959941"/>
+            <a:ext cx="540533" cy="369332"/>
+          </a:xfrm>
+          <a:prstGeom prst="rect">
+            <a:avLst/>
+          </a:prstGeom>
+          <a:noFill/>
+        </p:spPr>
+        <p:txBody>
+          <a:bodyPr wrap="none" rtlCol="0">
+            <a:spAutoFit/>
+          </a:bodyPr>
+          <a:lstStyle/>
+          <a:p>
+            <a:r>
+              <a:rPr lang="en-US" dirty="0" smtClean="0"/>
+              <a:t>n11</a:t>
+            </a:r>
+            <a:endParaRPr lang="en-CA" dirty="0"/>
+          </a:p>
+        </p:txBody>
+      </p:sp>
+      <p:cxnSp>
+        <p:nvCxnSpPr>
+          <p:cNvPr id="38" name="Straight Arrow Connector 37"/>
+          <p:cNvCxnSpPr/>
+          <p:nvPr/>
+        </p:nvCxnSpPr>
+        <p:spPr>
+          <a:xfrm>
+            <a:off x="798264" y="4675813"/>
+            <a:ext cx="192712" cy="364281"/>
+          </a:xfrm>
+          <a:prstGeom prst="straightConnector1">
+            <a:avLst/>
+          </a:prstGeom>
+          <a:ln>
+            <a:tailEnd type="triangle"/>
+          </a:ln>
+        </p:spPr>
+        <p:style>
+          <a:lnRef idx="1">
+            <a:schemeClr val="accent1"/>
+          </a:lnRef>
+          <a:fillRef idx="0">
+            <a:schemeClr val="accent1"/>
+          </a:fillRef>
+          <a:effectRef idx="0">
+            <a:schemeClr val="accent1"/>
+          </a:effectRef>
+          <a:fontRef idx="minor">
+            <a:schemeClr val="tx1"/>
+          </a:fontRef>
+        </p:style>
+      </p:cxnSp>
+      <p:sp>
+        <p:nvSpPr>
+          <p:cNvPr id="39" name="TextBox 38"/>
+          <p:cNvSpPr txBox="1"/>
+          <p:nvPr/>
+        </p:nvSpPr>
+        <p:spPr>
+          <a:xfrm>
+            <a:off x="498406" y="4343407"/>
+            <a:ext cx="599716" cy="369332"/>
+          </a:xfrm>
+          <a:prstGeom prst="rect">
+            <a:avLst/>
+          </a:prstGeom>
+          <a:noFill/>
+        </p:spPr>
+        <p:txBody>
+          <a:bodyPr wrap="none" rtlCol="0">
+            <a:spAutoFit/>
+          </a:bodyPr>
+          <a:lstStyle/>
+          <a:p>
+            <a:r>
+              <a:rPr lang="en-US" dirty="0" smtClean="0"/>
+              <a:t>data</a:t>
+            </a:r>
+            <a:endParaRPr lang="en-CA" dirty="0"/>
+          </a:p>
+        </p:txBody>
+      </p:sp>
+      <p:cxnSp>
+        <p:nvCxnSpPr>
+          <p:cNvPr id="40" name="Straight Arrow Connector 39"/>
+          <p:cNvCxnSpPr/>
+          <p:nvPr/>
+        </p:nvCxnSpPr>
+        <p:spPr>
+          <a:xfrm flipV="1">
+            <a:off x="1589225" y="5311461"/>
+            <a:ext cx="96356" cy="230637"/>
+          </a:xfrm>
+          <a:prstGeom prst="straightConnector1">
+            <a:avLst/>
+          </a:prstGeom>
+          <a:ln>
+            <a:tailEnd type="triangle"/>
+          </a:ln>
+        </p:spPr>
+        <p:style>
+          <a:lnRef idx="1">
+            <a:schemeClr val="accent1"/>
+          </a:lnRef>
+          <a:fillRef idx="0">
+            <a:schemeClr val="accent1"/>
+          </a:fillRef>
+          <a:effectRef idx="0">
+            <a:schemeClr val="accent1"/>
+          </a:effectRef>
+          <a:fontRef idx="minor">
+            <a:schemeClr val="tx1"/>
+          </a:fontRef>
+        </p:style>
+      </p:cxnSp>
+      <p:sp>
+        <p:nvSpPr>
+          <p:cNvPr id="41" name="TextBox 40"/>
+          <p:cNvSpPr txBox="1"/>
+          <p:nvPr/>
+        </p:nvSpPr>
+        <p:spPr>
+          <a:xfrm>
+            <a:off x="809742" y="5377944"/>
+            <a:ext cx="883255" cy="369332"/>
+          </a:xfrm>
+          <a:prstGeom prst="rect">
+            <a:avLst/>
+          </a:prstGeom>
+          <a:noFill/>
+        </p:spPr>
+        <p:txBody>
+          <a:bodyPr wrap="none" rtlCol="0">
+            <a:spAutoFit/>
+          </a:bodyPr>
+          <a:lstStyle/>
+          <a:p>
+            <a:r>
+              <a:rPr lang="en-US" dirty="0" smtClean="0"/>
+              <a:t>column</a:t>
+            </a:r>
+            <a:endParaRPr lang="en-CA" dirty="0"/>
+          </a:p>
+        </p:txBody>
+      </p:sp>
+      <p:sp>
+        <p:nvSpPr>
+          <p:cNvPr id="43" name="TextBox 42"/>
+          <p:cNvSpPr txBox="1"/>
+          <p:nvPr/>
+        </p:nvSpPr>
+        <p:spPr>
+          <a:xfrm>
+            <a:off x="1900232" y="5349966"/>
+            <a:ext cx="734496" cy="369332"/>
+          </a:xfrm>
+          <a:prstGeom prst="rect">
+            <a:avLst/>
+          </a:prstGeom>
+          <a:noFill/>
+        </p:spPr>
+        <p:txBody>
+          <a:bodyPr wrap="none" rtlCol="0">
+            <a:spAutoFit/>
+          </a:bodyPr>
+          <a:lstStyle/>
+          <a:p>
+            <a:r>
+              <a:rPr lang="en-US" dirty="0" smtClean="0"/>
+              <a:t>(</a:t>
+            </a:r>
+            <a:r>
+              <a:rPr lang="en-US" dirty="0" smtClean="0"/>
+              <a:t>9</a:t>
+            </a:r>
+            <a:r>
+              <a:rPr lang="en-US" dirty="0" smtClean="0"/>
+              <a:t>,10)</a:t>
+            </a:r>
+            <a:endParaRPr lang="en-CA" dirty="0"/>
+          </a:p>
+        </p:txBody>
+      </p:sp>
+      <p:sp>
+        <p:nvSpPr>
+          <p:cNvPr id="44" name="TextBox 43"/>
+          <p:cNvSpPr txBox="1"/>
+          <p:nvPr/>
+        </p:nvSpPr>
+        <p:spPr>
+          <a:xfrm>
+            <a:off x="1136815" y="5941984"/>
+            <a:ext cx="734496" cy="369332"/>
+          </a:xfrm>
+          <a:prstGeom prst="rect">
+            <a:avLst/>
+          </a:prstGeom>
+          <a:noFill/>
+        </p:spPr>
+        <p:txBody>
+          <a:bodyPr wrap="none" rtlCol="0">
+            <a:spAutoFit/>
+          </a:bodyPr>
+          <a:lstStyle/>
+          <a:p>
+            <a:r>
+              <a:rPr lang="en-US" dirty="0" smtClean="0"/>
+              <a:t>(</a:t>
+            </a:r>
+            <a:r>
+              <a:rPr lang="en-US" dirty="0" smtClean="0"/>
+              <a:t>9</a:t>
+            </a:r>
+            <a:r>
+              <a:rPr lang="en-US" dirty="0" smtClean="0"/>
+              <a:t>,11)</a:t>
+            </a:r>
+            <a:endParaRPr lang="en-CA" dirty="0"/>
+          </a:p>
+        </p:txBody>
+      </p:sp>
+    </p:spTree>
+    <p:extLst>
+      <p:ext uri="{BB962C8B-B14F-4D97-AF65-F5344CB8AC3E}">
+        <p14:creationId xmlns:p14="http://schemas.microsoft.com/office/powerpoint/2010/main" val="4016359732"/>
+      </p:ext>
+    </p:extLst>
+  </p:cSld>
+  <p:clrMapOvr>
+    <a:masterClrMapping/>
+  </p:clrMapOvr>
+</p:sld>
+</file>
+
+<file path=ppt/slides/slide4.xml><?xml version="1.0" encoding="utf-8"?>
+<p:sld xmlns:a="http://schemas.openxmlformats.org/drawingml/2006/main" xmlns:r="http://schemas.openxmlformats.org/officeDocument/2006/relationships" xmlns:p="http://schemas.openxmlformats.org/presentationml/2006/main">
+  <p:cSld>
+    <p:spTree>
+      <p:nvGrpSpPr>
+        <p:cNvPr id="1" name=""/>
+        <p:cNvGrpSpPr/>
+        <p:nvPr/>
+      </p:nvGrpSpPr>
+      <p:grpSpPr>
+        <a:xfrm>
+          <a:off x="0" y="0"/>
+          <a:ext cx="0" cy="0"/>
+          <a:chOff x="0" y="0"/>
+          <a:chExt cx="0" cy="0"/>
+        </a:xfrm>
+      </p:grpSpPr>
+      <p:sp>
+        <p:nvSpPr>
+          <p:cNvPr id="2" name="Title 1"/>
+          <p:cNvSpPr>
+            <a:spLocks noGrp="1"/>
+          </p:cNvSpPr>
+          <p:nvPr>
+            <p:ph type="title"/>
+          </p:nvPr>
+        </p:nvSpPr>
+        <p:spPr/>
+        <p:txBody>
+          <a:bodyPr/>
+          <a:lstStyle/>
+          <a:p>
+            <a:r>
+              <a:rPr lang="en-US" dirty="0" smtClean="0"/>
+              <a:t>Per Variable</a:t>
+            </a:r>
+            <a:endParaRPr lang="en-CA" dirty="0"/>
+          </a:p>
+        </p:txBody>
+      </p:sp>
+      <p:sp>
+        <p:nvSpPr>
+          <p:cNvPr id="3" name="Content Placeholder 2"/>
+          <p:cNvSpPr>
+            <a:spLocks noGrp="1"/>
+          </p:cNvSpPr>
+          <p:nvPr>
+            <p:ph idx="1"/>
+          </p:nvPr>
+        </p:nvSpPr>
+        <p:spPr/>
+        <p:txBody>
+          <a:bodyPr/>
+          <a:lstStyle/>
+          <a:p>
+            <a:r>
+              <a:rPr lang="pt-BR" dirty="0"/>
+              <a:t>data: (1,3), (1,1), (1,9)</a:t>
+            </a:r>
+          </a:p>
+          <a:p>
+            <a:r>
+              <a:rPr lang="pt-BR" dirty="0"/>
+              <a:t>column: (1,9)</a:t>
+            </a:r>
+          </a:p>
+          <a:p>
+            <a:r>
+              <a:rPr lang="pt-BR" dirty="0"/>
+              <a:t>total:(&lt;2,11&gt;,6),(&lt;2,11&gt;,11)</a:t>
+            </a:r>
+          </a:p>
+          <a:p>
+            <a:r>
+              <a:rPr lang="pt-BR" dirty="0"/>
+              <a:t>validRows:(1,5), (1,7)</a:t>
+            </a:r>
+          </a:p>
+          <a:p>
+            <a:r>
+              <a:rPr lang="pt-BR" dirty="0"/>
+              <a:t>rowCount: (3,8)</a:t>
+            </a:r>
+          </a:p>
+          <a:p>
+            <a:r>
+              <a:rPr lang="pt-BR" dirty="0"/>
+              <a:t>v: (&lt;4,12&gt;,5), (&lt;4,12&gt;,12)</a:t>
+            </a:r>
+          </a:p>
+          <a:p>
+            <a:r>
+              <a:rPr lang="pt-BR" dirty="0"/>
+              <a:t>n: (9,10), (9,11)</a:t>
+            </a:r>
+            <a:endParaRPr lang="en-CA" dirty="0"/>
+          </a:p>
+        </p:txBody>
+      </p:sp>
+    </p:spTree>
+    <p:extLst>
+      <p:ext uri="{BB962C8B-B14F-4D97-AF65-F5344CB8AC3E}">
+        <p14:creationId xmlns:p14="http://schemas.microsoft.com/office/powerpoint/2010/main" val="346312990"/>
       </p:ext>
     </p:extLst>
   </p:cSld>

--- a/drafts/du pairs calcTotalColumns.pptx
+++ b/drafts/du pairs calcTotalColumns.pptx
@@ -9,6 +9,7 @@
     <p:sldId id="257" r:id="rId3"/>
     <p:sldId id="258" r:id="rId4"/>
     <p:sldId id="259" r:id="rId5"/>
+    <p:sldId id="260" r:id="rId6"/>
   </p:sldIdLst>
   <p:sldSz cx="12192000" cy="6858000"/>
   <p:notesSz cx="6858000" cy="9144000"/>
@@ -157,7 +158,7 @@
           </a:lstStyle>
           <a:p>
             <a:r>
-              <a:rPr lang="en-US" smtClean="0"/>
+              <a:rPr lang="en-US"/>
               <a:t>Click to edit Master title style</a:t>
             </a:r>
             <a:endParaRPr lang="en-CA"/>
@@ -222,7 +223,7 @@
           </a:lstStyle>
           <a:p>
             <a:r>
-              <a:rPr lang="en-US" smtClean="0"/>
+              <a:rPr lang="en-US"/>
               <a:t>Click to edit Master subtitle style</a:t>
             </a:r>
             <a:endParaRPr lang="en-CA"/>
@@ -246,7 +247,7 @@
           <a:p>
             <a:fld id="{ED81A41D-0F35-47D3-9602-E6A894724C35}" type="datetimeFigureOut">
               <a:rPr lang="en-CA" smtClean="0"/>
-              <a:t>2022-03-04</a:t>
+              <a:t>2022-03-05</a:t>
             </a:fld>
             <a:endParaRPr lang="en-CA"/>
           </a:p>
@@ -340,7 +341,7 @@
           <a:lstStyle/>
           <a:p>
             <a:r>
-              <a:rPr lang="en-US" smtClean="0"/>
+              <a:rPr lang="en-US"/>
               <a:t>Click to edit Master title style</a:t>
             </a:r>
             <a:endParaRPr lang="en-CA"/>
@@ -364,35 +365,35 @@
           <a:p>
             <a:pPr lvl="0"/>
             <a:r>
-              <a:rPr lang="en-US" smtClean="0"/>
+              <a:rPr lang="en-US"/>
               <a:t>Click to edit Master text styles</a:t>
             </a:r>
           </a:p>
           <a:p>
             <a:pPr lvl="1"/>
             <a:r>
-              <a:rPr lang="en-US" smtClean="0"/>
+              <a:rPr lang="en-US"/>
               <a:t>Second level</a:t>
             </a:r>
           </a:p>
           <a:p>
             <a:pPr lvl="2"/>
             <a:r>
-              <a:rPr lang="en-US" smtClean="0"/>
+              <a:rPr lang="en-US"/>
               <a:t>Third level</a:t>
             </a:r>
           </a:p>
           <a:p>
             <a:pPr lvl="3"/>
             <a:r>
-              <a:rPr lang="en-US" smtClean="0"/>
+              <a:rPr lang="en-US"/>
               <a:t>Fourth level</a:t>
             </a:r>
           </a:p>
           <a:p>
             <a:pPr lvl="4"/>
             <a:r>
-              <a:rPr lang="en-US" smtClean="0"/>
+              <a:rPr lang="en-US"/>
               <a:t>Fifth level</a:t>
             </a:r>
             <a:endParaRPr lang="en-CA"/>
@@ -416,7 +417,7 @@
           <a:p>
             <a:fld id="{ED81A41D-0F35-47D3-9602-E6A894724C35}" type="datetimeFigureOut">
               <a:rPr lang="en-CA" smtClean="0"/>
-              <a:t>2022-03-04</a:t>
+              <a:t>2022-03-05</a:t>
             </a:fld>
             <a:endParaRPr lang="en-CA"/>
           </a:p>
@@ -515,7 +516,7 @@
           <a:lstStyle/>
           <a:p>
             <a:r>
-              <a:rPr lang="en-US" smtClean="0"/>
+              <a:rPr lang="en-US"/>
               <a:t>Click to edit Master title style</a:t>
             </a:r>
             <a:endParaRPr lang="en-CA"/>
@@ -544,35 +545,35 @@
           <a:p>
             <a:pPr lvl="0"/>
             <a:r>
-              <a:rPr lang="en-US" smtClean="0"/>
+              <a:rPr lang="en-US"/>
               <a:t>Click to edit Master text styles</a:t>
             </a:r>
           </a:p>
           <a:p>
             <a:pPr lvl="1"/>
             <a:r>
-              <a:rPr lang="en-US" smtClean="0"/>
+              <a:rPr lang="en-US"/>
               <a:t>Second level</a:t>
             </a:r>
           </a:p>
           <a:p>
             <a:pPr lvl="2"/>
             <a:r>
-              <a:rPr lang="en-US" smtClean="0"/>
+              <a:rPr lang="en-US"/>
               <a:t>Third level</a:t>
             </a:r>
           </a:p>
           <a:p>
             <a:pPr lvl="3"/>
             <a:r>
-              <a:rPr lang="en-US" smtClean="0"/>
+              <a:rPr lang="en-US"/>
               <a:t>Fourth level</a:t>
             </a:r>
           </a:p>
           <a:p>
             <a:pPr lvl="4"/>
             <a:r>
-              <a:rPr lang="en-US" smtClean="0"/>
+              <a:rPr lang="en-US"/>
               <a:t>Fifth level</a:t>
             </a:r>
             <a:endParaRPr lang="en-CA"/>
@@ -596,7 +597,7 @@
           <a:p>
             <a:fld id="{ED81A41D-0F35-47D3-9602-E6A894724C35}" type="datetimeFigureOut">
               <a:rPr lang="en-CA" smtClean="0"/>
-              <a:t>2022-03-04</a:t>
+              <a:t>2022-03-05</a:t>
             </a:fld>
             <a:endParaRPr lang="en-CA"/>
           </a:p>
@@ -690,7 +691,7 @@
           <a:lstStyle/>
           <a:p>
             <a:r>
-              <a:rPr lang="en-US" smtClean="0"/>
+              <a:rPr lang="en-US"/>
               <a:t>Click to edit Master title style</a:t>
             </a:r>
             <a:endParaRPr lang="en-CA"/>
@@ -714,35 +715,35 @@
           <a:p>
             <a:pPr lvl="0"/>
             <a:r>
-              <a:rPr lang="en-US" smtClean="0"/>
+              <a:rPr lang="en-US"/>
               <a:t>Click to edit Master text styles</a:t>
             </a:r>
           </a:p>
           <a:p>
             <a:pPr lvl="1"/>
             <a:r>
-              <a:rPr lang="en-US" smtClean="0"/>
+              <a:rPr lang="en-US"/>
               <a:t>Second level</a:t>
             </a:r>
           </a:p>
           <a:p>
             <a:pPr lvl="2"/>
             <a:r>
-              <a:rPr lang="en-US" smtClean="0"/>
+              <a:rPr lang="en-US"/>
               <a:t>Third level</a:t>
             </a:r>
           </a:p>
           <a:p>
             <a:pPr lvl="3"/>
             <a:r>
-              <a:rPr lang="en-US" smtClean="0"/>
+              <a:rPr lang="en-US"/>
               <a:t>Fourth level</a:t>
             </a:r>
           </a:p>
           <a:p>
             <a:pPr lvl="4"/>
             <a:r>
-              <a:rPr lang="en-US" smtClean="0"/>
+              <a:rPr lang="en-US"/>
               <a:t>Fifth level</a:t>
             </a:r>
             <a:endParaRPr lang="en-CA"/>
@@ -766,7 +767,7 @@
           <a:p>
             <a:fld id="{ED81A41D-0F35-47D3-9602-E6A894724C35}" type="datetimeFigureOut">
               <a:rPr lang="en-CA" smtClean="0"/>
-              <a:t>2022-03-04</a:t>
+              <a:t>2022-03-05</a:t>
             </a:fld>
             <a:endParaRPr lang="en-CA"/>
           </a:p>
@@ -869,7 +870,7 @@
           </a:lstStyle>
           <a:p>
             <a:r>
-              <a:rPr lang="en-US" smtClean="0"/>
+              <a:rPr lang="en-US"/>
               <a:t>Click to edit Master title style</a:t>
             </a:r>
             <a:endParaRPr lang="en-CA"/>
@@ -989,7 +990,7 @@
           <a:p>
             <a:pPr lvl="0"/>
             <a:r>
-              <a:rPr lang="en-US" smtClean="0"/>
+              <a:rPr lang="en-US"/>
               <a:t>Click to edit Master text styles</a:t>
             </a:r>
           </a:p>
@@ -1012,7 +1013,7 @@
           <a:p>
             <a:fld id="{ED81A41D-0F35-47D3-9602-E6A894724C35}" type="datetimeFigureOut">
               <a:rPr lang="en-CA" smtClean="0"/>
-              <a:t>2022-03-04</a:t>
+              <a:t>2022-03-05</a:t>
             </a:fld>
             <a:endParaRPr lang="en-CA"/>
           </a:p>
@@ -1106,7 +1107,7 @@
           <a:lstStyle/>
           <a:p>
             <a:r>
-              <a:rPr lang="en-US" smtClean="0"/>
+              <a:rPr lang="en-US"/>
               <a:t>Click to edit Master title style</a:t>
             </a:r>
             <a:endParaRPr lang="en-CA"/>
@@ -1135,35 +1136,35 @@
           <a:p>
             <a:pPr lvl="0"/>
             <a:r>
-              <a:rPr lang="en-US" smtClean="0"/>
+              <a:rPr lang="en-US"/>
               <a:t>Click to edit Master text styles</a:t>
             </a:r>
           </a:p>
           <a:p>
             <a:pPr lvl="1"/>
             <a:r>
-              <a:rPr lang="en-US" smtClean="0"/>
+              <a:rPr lang="en-US"/>
               <a:t>Second level</a:t>
             </a:r>
           </a:p>
           <a:p>
             <a:pPr lvl="2"/>
             <a:r>
-              <a:rPr lang="en-US" smtClean="0"/>
+              <a:rPr lang="en-US"/>
               <a:t>Third level</a:t>
             </a:r>
           </a:p>
           <a:p>
             <a:pPr lvl="3"/>
             <a:r>
-              <a:rPr lang="en-US" smtClean="0"/>
+              <a:rPr lang="en-US"/>
               <a:t>Fourth level</a:t>
             </a:r>
           </a:p>
           <a:p>
             <a:pPr lvl="4"/>
             <a:r>
-              <a:rPr lang="en-US" smtClean="0"/>
+              <a:rPr lang="en-US"/>
               <a:t>Fifth level</a:t>
             </a:r>
             <a:endParaRPr lang="en-CA"/>
@@ -1192,35 +1193,35 @@
           <a:p>
             <a:pPr lvl="0"/>
             <a:r>
-              <a:rPr lang="en-US" smtClean="0"/>
+              <a:rPr lang="en-US"/>
               <a:t>Click to edit Master text styles</a:t>
             </a:r>
           </a:p>
           <a:p>
             <a:pPr lvl="1"/>
             <a:r>
-              <a:rPr lang="en-US" smtClean="0"/>
+              <a:rPr lang="en-US"/>
               <a:t>Second level</a:t>
             </a:r>
           </a:p>
           <a:p>
             <a:pPr lvl="2"/>
             <a:r>
-              <a:rPr lang="en-US" smtClean="0"/>
+              <a:rPr lang="en-US"/>
               <a:t>Third level</a:t>
             </a:r>
           </a:p>
           <a:p>
             <a:pPr lvl="3"/>
             <a:r>
-              <a:rPr lang="en-US" smtClean="0"/>
+              <a:rPr lang="en-US"/>
               <a:t>Fourth level</a:t>
             </a:r>
           </a:p>
           <a:p>
             <a:pPr lvl="4"/>
             <a:r>
-              <a:rPr lang="en-US" smtClean="0"/>
+              <a:rPr lang="en-US"/>
               <a:t>Fifth level</a:t>
             </a:r>
             <a:endParaRPr lang="en-CA"/>
@@ -1244,7 +1245,7 @@
           <a:p>
             <a:fld id="{ED81A41D-0F35-47D3-9602-E6A894724C35}" type="datetimeFigureOut">
               <a:rPr lang="en-CA" smtClean="0"/>
-              <a:t>2022-03-04</a:t>
+              <a:t>2022-03-05</a:t>
             </a:fld>
             <a:endParaRPr lang="en-CA"/>
           </a:p>
@@ -1343,7 +1344,7 @@
           <a:lstStyle/>
           <a:p>
             <a:r>
-              <a:rPr lang="en-US" smtClean="0"/>
+              <a:rPr lang="en-US"/>
               <a:t>Click to edit Master title style</a:t>
             </a:r>
             <a:endParaRPr lang="en-CA"/>
@@ -1409,7 +1410,7 @@
           <a:p>
             <a:pPr lvl="0"/>
             <a:r>
-              <a:rPr lang="en-US" smtClean="0"/>
+              <a:rPr lang="en-US"/>
               <a:t>Click to edit Master text styles</a:t>
             </a:r>
           </a:p>
@@ -1437,35 +1438,35 @@
           <a:p>
             <a:pPr lvl="0"/>
             <a:r>
-              <a:rPr lang="en-US" smtClean="0"/>
+              <a:rPr lang="en-US"/>
               <a:t>Click to edit Master text styles</a:t>
             </a:r>
           </a:p>
           <a:p>
             <a:pPr lvl="1"/>
             <a:r>
-              <a:rPr lang="en-US" smtClean="0"/>
+              <a:rPr lang="en-US"/>
               <a:t>Second level</a:t>
             </a:r>
           </a:p>
           <a:p>
             <a:pPr lvl="2"/>
             <a:r>
-              <a:rPr lang="en-US" smtClean="0"/>
+              <a:rPr lang="en-US"/>
               <a:t>Third level</a:t>
             </a:r>
           </a:p>
           <a:p>
             <a:pPr lvl="3"/>
             <a:r>
-              <a:rPr lang="en-US" smtClean="0"/>
+              <a:rPr lang="en-US"/>
               <a:t>Fourth level</a:t>
             </a:r>
           </a:p>
           <a:p>
             <a:pPr lvl="4"/>
             <a:r>
-              <a:rPr lang="en-US" smtClean="0"/>
+              <a:rPr lang="en-US"/>
               <a:t>Fifth level</a:t>
             </a:r>
             <a:endParaRPr lang="en-CA"/>
@@ -1531,7 +1532,7 @@
           <a:p>
             <a:pPr lvl="0"/>
             <a:r>
-              <a:rPr lang="en-US" smtClean="0"/>
+              <a:rPr lang="en-US"/>
               <a:t>Click to edit Master text styles</a:t>
             </a:r>
           </a:p>
@@ -1559,35 +1560,35 @@
           <a:p>
             <a:pPr lvl="0"/>
             <a:r>
-              <a:rPr lang="en-US" smtClean="0"/>
+              <a:rPr lang="en-US"/>
               <a:t>Click to edit Master text styles</a:t>
             </a:r>
           </a:p>
           <a:p>
             <a:pPr lvl="1"/>
             <a:r>
-              <a:rPr lang="en-US" smtClean="0"/>
+              <a:rPr lang="en-US"/>
               <a:t>Second level</a:t>
             </a:r>
           </a:p>
           <a:p>
             <a:pPr lvl="2"/>
             <a:r>
-              <a:rPr lang="en-US" smtClean="0"/>
+              <a:rPr lang="en-US"/>
               <a:t>Third level</a:t>
             </a:r>
           </a:p>
           <a:p>
             <a:pPr lvl="3"/>
             <a:r>
-              <a:rPr lang="en-US" smtClean="0"/>
+              <a:rPr lang="en-US"/>
               <a:t>Fourth level</a:t>
             </a:r>
           </a:p>
           <a:p>
             <a:pPr lvl="4"/>
             <a:r>
-              <a:rPr lang="en-US" smtClean="0"/>
+              <a:rPr lang="en-US"/>
               <a:t>Fifth level</a:t>
             </a:r>
             <a:endParaRPr lang="en-CA"/>
@@ -1611,7 +1612,7 @@
           <a:p>
             <a:fld id="{ED81A41D-0F35-47D3-9602-E6A894724C35}" type="datetimeFigureOut">
               <a:rPr lang="en-CA" smtClean="0"/>
-              <a:t>2022-03-04</a:t>
+              <a:t>2022-03-05</a:t>
             </a:fld>
             <a:endParaRPr lang="en-CA"/>
           </a:p>
@@ -1705,7 +1706,7 @@
           <a:lstStyle/>
           <a:p>
             <a:r>
-              <a:rPr lang="en-US" smtClean="0"/>
+              <a:rPr lang="en-US"/>
               <a:t>Click to edit Master title style</a:t>
             </a:r>
             <a:endParaRPr lang="en-CA"/>
@@ -1729,7 +1730,7 @@
           <a:p>
             <a:fld id="{ED81A41D-0F35-47D3-9602-E6A894724C35}" type="datetimeFigureOut">
               <a:rPr lang="en-CA" smtClean="0"/>
-              <a:t>2022-03-04</a:t>
+              <a:t>2022-03-05</a:t>
             </a:fld>
             <a:endParaRPr lang="en-CA"/>
           </a:p>
@@ -1824,7 +1825,7 @@
           <a:p>
             <a:fld id="{ED81A41D-0F35-47D3-9602-E6A894724C35}" type="datetimeFigureOut">
               <a:rPr lang="en-CA" smtClean="0"/>
-              <a:t>2022-03-04</a:t>
+              <a:t>2022-03-05</a:t>
             </a:fld>
             <a:endParaRPr lang="en-CA"/>
           </a:p>
@@ -1927,7 +1928,7 @@
           </a:lstStyle>
           <a:p>
             <a:r>
-              <a:rPr lang="en-US" smtClean="0"/>
+              <a:rPr lang="en-US"/>
               <a:t>Click to edit Master title style</a:t>
             </a:r>
             <a:endParaRPr lang="en-CA"/>
@@ -1984,35 +1985,35 @@
           <a:p>
             <a:pPr lvl="0"/>
             <a:r>
-              <a:rPr lang="en-US" smtClean="0"/>
+              <a:rPr lang="en-US"/>
               <a:t>Click to edit Master text styles</a:t>
             </a:r>
           </a:p>
           <a:p>
             <a:pPr lvl="1"/>
             <a:r>
-              <a:rPr lang="en-US" smtClean="0"/>
+              <a:rPr lang="en-US"/>
               <a:t>Second level</a:t>
             </a:r>
           </a:p>
           <a:p>
             <a:pPr lvl="2"/>
             <a:r>
-              <a:rPr lang="en-US" smtClean="0"/>
+              <a:rPr lang="en-US"/>
               <a:t>Third level</a:t>
             </a:r>
           </a:p>
           <a:p>
             <a:pPr lvl="3"/>
             <a:r>
-              <a:rPr lang="en-US" smtClean="0"/>
+              <a:rPr lang="en-US"/>
               <a:t>Fourth level</a:t>
             </a:r>
           </a:p>
           <a:p>
             <a:pPr lvl="4"/>
             <a:r>
-              <a:rPr lang="en-US" smtClean="0"/>
+              <a:rPr lang="en-US"/>
               <a:t>Fifth level</a:t>
             </a:r>
             <a:endParaRPr lang="en-CA"/>
@@ -2078,7 +2079,7 @@
           <a:p>
             <a:pPr lvl="0"/>
             <a:r>
-              <a:rPr lang="en-US" smtClean="0"/>
+              <a:rPr lang="en-US"/>
               <a:t>Click to edit Master text styles</a:t>
             </a:r>
           </a:p>
@@ -2101,7 +2102,7 @@
           <a:p>
             <a:fld id="{ED81A41D-0F35-47D3-9602-E6A894724C35}" type="datetimeFigureOut">
               <a:rPr lang="en-CA" smtClean="0"/>
-              <a:t>2022-03-04</a:t>
+              <a:t>2022-03-05</a:t>
             </a:fld>
             <a:endParaRPr lang="en-CA"/>
           </a:p>
@@ -2204,7 +2205,7 @@
           </a:lstStyle>
           <a:p>
             <a:r>
-              <a:rPr lang="en-US" smtClean="0"/>
+              <a:rPr lang="en-US"/>
               <a:t>Click to edit Master title style</a:t>
             </a:r>
             <a:endParaRPr lang="en-CA"/>
@@ -2331,7 +2332,7 @@
           <a:p>
             <a:pPr lvl="0"/>
             <a:r>
-              <a:rPr lang="en-US" smtClean="0"/>
+              <a:rPr lang="en-US"/>
               <a:t>Click to edit Master text styles</a:t>
             </a:r>
           </a:p>
@@ -2354,7 +2355,7 @@
           <a:p>
             <a:fld id="{ED81A41D-0F35-47D3-9602-E6A894724C35}" type="datetimeFigureOut">
               <a:rPr lang="en-CA" smtClean="0"/>
-              <a:t>2022-03-04</a:t>
+              <a:t>2022-03-05</a:t>
             </a:fld>
             <a:endParaRPr lang="en-CA"/>
           </a:p>
@@ -2463,7 +2464,7 @@
           <a:lstStyle/>
           <a:p>
             <a:r>
-              <a:rPr lang="en-US" smtClean="0"/>
+              <a:rPr lang="en-US"/>
               <a:t>Click to edit Master title style</a:t>
             </a:r>
             <a:endParaRPr lang="en-CA"/>
@@ -2497,35 +2498,35 @@
           <a:p>
             <a:pPr lvl="0"/>
             <a:r>
-              <a:rPr lang="en-US" smtClean="0"/>
+              <a:rPr lang="en-US"/>
               <a:t>Click to edit Master text styles</a:t>
             </a:r>
           </a:p>
           <a:p>
             <a:pPr lvl="1"/>
             <a:r>
-              <a:rPr lang="en-US" smtClean="0"/>
+              <a:rPr lang="en-US"/>
               <a:t>Second level</a:t>
             </a:r>
           </a:p>
           <a:p>
             <a:pPr lvl="2"/>
             <a:r>
-              <a:rPr lang="en-US" smtClean="0"/>
+              <a:rPr lang="en-US"/>
               <a:t>Third level</a:t>
             </a:r>
           </a:p>
           <a:p>
             <a:pPr lvl="3"/>
             <a:r>
-              <a:rPr lang="en-US" smtClean="0"/>
+              <a:rPr lang="en-US"/>
               <a:t>Fourth level</a:t>
             </a:r>
           </a:p>
           <a:p>
             <a:pPr lvl="4"/>
             <a:r>
-              <a:rPr lang="en-US" smtClean="0"/>
+              <a:rPr lang="en-US"/>
               <a:t>Fifth level</a:t>
             </a:r>
             <a:endParaRPr lang="en-CA"/>
@@ -2567,7 +2568,7 @@
           <a:p>
             <a:fld id="{ED81A41D-0F35-47D3-9602-E6A894724C35}" type="datetimeFigureOut">
               <a:rPr lang="en-CA" smtClean="0"/>
-              <a:t>2022-03-04</a:t>
+              <a:t>2022-03-05</a:t>
             </a:fld>
             <a:endParaRPr lang="en-CA"/>
           </a:p>
@@ -3063,7 +3064,7 @@
           <a:lstStyle/>
           <a:p>
             <a:r>
-              <a:rPr lang="en-US" dirty="0" smtClean="0"/>
+              <a:rPr lang="en-US" dirty="0"/>
               <a:t>n1</a:t>
             </a:r>
             <a:endParaRPr lang="en-CA" dirty="0"/>
@@ -3131,7 +3132,7 @@
           <a:lstStyle/>
           <a:p>
             <a:r>
-              <a:rPr lang="en-US" dirty="0" smtClean="0"/>
+              <a:rPr lang="en-US" dirty="0"/>
               <a:t>n2</a:t>
             </a:r>
             <a:endParaRPr lang="en-CA" dirty="0"/>
@@ -3199,7 +3200,7 @@
           <a:lstStyle/>
           <a:p>
             <a:r>
-              <a:rPr lang="en-US" dirty="0" smtClean="0"/>
+              <a:rPr lang="en-US" dirty="0"/>
               <a:t>n3</a:t>
             </a:r>
             <a:endParaRPr lang="en-CA" dirty="0"/>
@@ -3267,7 +3268,7 @@
           <a:lstStyle/>
           <a:p>
             <a:r>
-              <a:rPr lang="en-US" dirty="0" smtClean="0"/>
+              <a:rPr lang="en-US" dirty="0"/>
               <a:t>n4</a:t>
             </a:r>
             <a:endParaRPr lang="en-CA" dirty="0"/>
@@ -3335,7 +3336,7 @@
           <a:lstStyle/>
           <a:p>
             <a:r>
-              <a:rPr lang="en-US" dirty="0" smtClean="0"/>
+              <a:rPr lang="en-US" dirty="0"/>
               <a:t>n5</a:t>
             </a:r>
             <a:endParaRPr lang="en-CA" dirty="0"/>
@@ -3403,7 +3404,7 @@
           <a:lstStyle/>
           <a:p>
             <a:r>
-              <a:rPr lang="en-US" dirty="0" smtClean="0"/>
+              <a:rPr lang="en-US" dirty="0"/>
               <a:t>n6</a:t>
             </a:r>
             <a:endParaRPr lang="en-CA" dirty="0"/>
@@ -3471,7 +3472,7 @@
           <a:lstStyle/>
           <a:p>
             <a:r>
-              <a:rPr lang="en-US" dirty="0" smtClean="0"/>
+              <a:rPr lang="en-US" dirty="0"/>
               <a:t>n7</a:t>
             </a:r>
             <a:endParaRPr lang="en-CA" dirty="0"/>
@@ -3539,7 +3540,7 @@
           <a:lstStyle/>
           <a:p>
             <a:r>
-              <a:rPr lang="en-US" dirty="0" smtClean="0"/>
+              <a:rPr lang="en-US" dirty="0"/>
               <a:t>n8</a:t>
             </a:r>
             <a:endParaRPr lang="en-CA" dirty="0"/>
@@ -3607,7 +3608,7 @@
           <a:lstStyle/>
           <a:p>
             <a:r>
-              <a:rPr lang="en-US" dirty="0" smtClean="0"/>
+              <a:rPr lang="en-US" dirty="0"/>
               <a:t>n9</a:t>
             </a:r>
             <a:endParaRPr lang="en-CA" dirty="0"/>
@@ -3675,7 +3676,7 @@
           <a:lstStyle/>
           <a:p>
             <a:r>
-              <a:rPr lang="en-US" dirty="0" smtClean="0"/>
+              <a:rPr lang="en-US" dirty="0"/>
               <a:t>n10</a:t>
             </a:r>
             <a:endParaRPr lang="en-CA" dirty="0"/>
@@ -3705,7 +3706,7 @@
           <a:lstStyle/>
           <a:p>
             <a:r>
-              <a:rPr lang="en-US" dirty="0" smtClean="0"/>
+              <a:rPr lang="en-US" dirty="0"/>
               <a:t>(1,3)</a:t>
             </a:r>
             <a:endParaRPr lang="en-CA" dirty="0"/>
@@ -3735,7 +3736,7 @@
           <a:lstStyle/>
           <a:p>
             <a:r>
-              <a:rPr lang="en-US" dirty="0" smtClean="0"/>
+              <a:rPr lang="en-US" dirty="0"/>
               <a:t>(1,1)</a:t>
             </a:r>
             <a:endParaRPr lang="en-CA" dirty="0"/>
@@ -3765,7 +3766,7 @@
           <a:lstStyle/>
           <a:p>
             <a:r>
-              <a:rPr lang="en-US" dirty="0" smtClean="0"/>
+              <a:rPr lang="en-US" dirty="0"/>
               <a:t>(1,7),(1,7),(&lt;4, 10&gt;,7)</a:t>
             </a:r>
             <a:endParaRPr lang="en-CA" dirty="0"/>
@@ -3795,7 +3796,7 @@
           <a:lstStyle/>
           <a:p>
             <a:r>
-              <a:rPr lang="en-US" dirty="0" smtClean="0"/>
+              <a:rPr lang="en-US" dirty="0"/>
               <a:t>(&lt;4, 10&gt;,5), (3,5)</a:t>
             </a:r>
             <a:endParaRPr lang="en-CA" dirty="0"/>
@@ -3825,7 +3826,7 @@
           <a:lstStyle/>
           <a:p>
             <a:r>
-              <a:rPr lang="en-US" dirty="0" smtClean="0"/>
+              <a:rPr lang="en-US" dirty="0"/>
               <a:t>(&lt;2,9&gt;,6)</a:t>
             </a:r>
             <a:endParaRPr lang="en-CA" dirty="0"/>
@@ -3855,7 +3856,7 @@
           <a:lstStyle/>
           <a:p>
             <a:r>
-              <a:rPr lang="en-US" dirty="0" smtClean="0"/>
+              <a:rPr lang="en-US" dirty="0"/>
               <a:t>(7,8)</a:t>
             </a:r>
             <a:endParaRPr lang="en-CA" dirty="0"/>
@@ -3885,7 +3886,7 @@
           <a:lstStyle/>
           <a:p>
             <a:r>
-              <a:rPr lang="en-US" dirty="0" smtClean="0"/>
+              <a:rPr lang="en-US" dirty="0"/>
               <a:t>(&lt;2,9&gt;,9), (7,9)</a:t>
             </a:r>
             <a:endParaRPr lang="en-CA" dirty="0"/>
@@ -3915,7 +3916,7 @@
           <a:lstStyle/>
           <a:p>
             <a:r>
-              <a:rPr lang="en-US" dirty="0" smtClean="0"/>
+              <a:rPr lang="en-US" dirty="0"/>
               <a:t>(&lt;4, 10&gt;,10)</a:t>
             </a:r>
             <a:endParaRPr lang="en-CA" dirty="0"/>
@@ -3945,13 +3946,13 @@
           <a:lstStyle/>
           <a:p>
             <a:r>
-              <a:rPr lang="en-US" dirty="0" smtClean="0"/>
+              <a:rPr lang="en-US" dirty="0"/>
               <a:t>Definition of pairs:</a:t>
             </a:r>
           </a:p>
           <a:p>
             <a:r>
-              <a:rPr lang="en-US" dirty="0" smtClean="0"/>
+              <a:rPr lang="en-US" dirty="0"/>
               <a:t>(where value is assigned, where it is used)</a:t>
             </a:r>
             <a:endParaRPr lang="en-CA" dirty="0"/>
@@ -4014,7 +4015,7 @@
           <a:lstStyle/>
           <a:p>
             <a:r>
-              <a:rPr lang="en-US" dirty="0" smtClean="0"/>
+              <a:rPr lang="en-US" dirty="0"/>
               <a:t>data</a:t>
             </a:r>
             <a:endParaRPr lang="en-CA" dirty="0"/>
@@ -4077,7 +4078,7 @@
           <a:lstStyle/>
           <a:p>
             <a:r>
-              <a:rPr lang="en-US" dirty="0" smtClean="0"/>
+              <a:rPr lang="en-US" dirty="0"/>
               <a:t>column</a:t>
             </a:r>
             <a:endParaRPr lang="en-CA" dirty="0"/>
@@ -4130,7 +4131,7 @@
           <a:lstStyle/>
           <a:p>
             <a:r>
-              <a:rPr lang="en-US" dirty="0" smtClean="0"/>
+              <a:rPr lang="en-US" dirty="0"/>
               <a:t>Per Variable</a:t>
             </a:r>
             <a:endParaRPr lang="en-CA" dirty="0"/>
@@ -4153,45 +4154,45 @@
           <a:lstStyle/>
           <a:p>
             <a:r>
-              <a:rPr lang="en-CA" smtClean="0"/>
+              <a:rPr lang="en-CA"/>
               <a:t>data</a:t>
             </a:r>
             <a:r>
-              <a:rPr lang="en-CA" dirty="0" smtClean="0"/>
+              <a:rPr lang="en-CA" dirty="0"/>
               <a:t>: (1,3), (1,1), (1,7)</a:t>
             </a:r>
           </a:p>
           <a:p>
             <a:r>
-              <a:rPr lang="en-CA" dirty="0" smtClean="0"/>
+              <a:rPr lang="en-CA" dirty="0"/>
               <a:t>column: (1,7)</a:t>
             </a:r>
           </a:p>
           <a:p>
             <a:r>
-              <a:rPr lang="en-CA" dirty="0" smtClean="0"/>
+              <a:rPr lang="en-CA" dirty="0"/>
               <a:t>total:(&lt;2,9&gt;,6),(&lt;2,9&gt;,9)</a:t>
             </a:r>
           </a:p>
           <a:p>
             <a:r>
-              <a:rPr lang="en-CA" dirty="0" err="1" smtClean="0"/>
+              <a:rPr lang="en-CA" dirty="0" err="1"/>
               <a:t>rowCount</a:t>
             </a:r>
             <a:r>
-              <a:rPr lang="en-CA" dirty="0" smtClean="0"/>
+              <a:rPr lang="en-CA" dirty="0"/>
               <a:t>: (3,5)</a:t>
             </a:r>
           </a:p>
           <a:p>
             <a:r>
-              <a:rPr lang="en-CA" dirty="0" smtClean="0"/>
+              <a:rPr lang="en-CA" dirty="0"/>
               <a:t>r: (&lt;4,10&gt;,5), (&lt;4,10&gt;,7), (&lt;4,10&gt;,10) </a:t>
             </a:r>
           </a:p>
           <a:p>
             <a:r>
-              <a:rPr lang="en-CA" dirty="0" smtClean="0"/>
+              <a:rPr lang="en-CA" dirty="0"/>
               <a:t>n: (7,8), (7,9)</a:t>
             </a:r>
           </a:p>
@@ -4268,7 +4269,7 @@
         </p:nvSpPr>
         <p:spPr>
           <a:xfrm>
-            <a:off x="8784771" y="130629"/>
+            <a:off x="8819764" y="130629"/>
             <a:ext cx="631372" cy="1055914"/>
           </a:xfrm>
           <a:prstGeom prst="rightBrace">
@@ -4306,7 +4307,7 @@
         </p:nvSpPr>
         <p:spPr>
           <a:xfrm>
-            <a:off x="9614020" y="473920"/>
+            <a:off x="9649013" y="473920"/>
             <a:ext cx="423514" cy="369332"/>
           </a:xfrm>
           <a:prstGeom prst="rect">
@@ -4321,7 +4322,7 @@
           <a:lstStyle/>
           <a:p>
             <a:r>
-              <a:rPr lang="en-US" dirty="0" smtClean="0"/>
+              <a:rPr lang="en-US" dirty="0"/>
               <a:t>n1</a:t>
             </a:r>
             <a:endParaRPr lang="en-CA" dirty="0"/>
@@ -4336,7 +4337,7 @@
         </p:nvSpPr>
         <p:spPr>
           <a:xfrm>
-            <a:off x="8784771" y="1186543"/>
+            <a:off x="8819764" y="1186543"/>
             <a:ext cx="631372" cy="494909"/>
           </a:xfrm>
           <a:prstGeom prst="rightBrace">
@@ -4389,7 +4390,7 @@
           <a:lstStyle/>
           <a:p>
             <a:r>
-              <a:rPr lang="en-US" dirty="0" smtClean="0"/>
+              <a:rPr lang="en-US" dirty="0"/>
               <a:t>n2</a:t>
             </a:r>
             <a:endParaRPr lang="en-CA" dirty="0"/>
@@ -4404,7 +4405,7 @@
         </p:nvSpPr>
         <p:spPr>
           <a:xfrm>
-            <a:off x="8784771" y="1692723"/>
+            <a:off x="8819764" y="1692723"/>
             <a:ext cx="631372" cy="620486"/>
           </a:xfrm>
           <a:prstGeom prst="rightBrace">
@@ -4457,7 +4458,7 @@
           <a:lstStyle/>
           <a:p>
             <a:r>
-              <a:rPr lang="en-US" dirty="0" smtClean="0"/>
+              <a:rPr lang="en-US" dirty="0"/>
               <a:t>n3</a:t>
             </a:r>
             <a:endParaRPr lang="en-CA" dirty="0"/>
@@ -4525,7 +4526,7 @@
           <a:lstStyle/>
           <a:p>
             <a:r>
-              <a:rPr lang="en-US" dirty="0" smtClean="0"/>
+              <a:rPr lang="en-US" dirty="0"/>
               <a:t>n4</a:t>
             </a:r>
             <a:endParaRPr lang="en-CA" dirty="0"/>
@@ -4593,7 +4594,7 @@
           <a:lstStyle/>
           <a:p>
             <a:r>
-              <a:rPr lang="en-US" dirty="0" smtClean="0"/>
+              <a:rPr lang="en-US" dirty="0"/>
               <a:t>n5</a:t>
             </a:r>
             <a:endParaRPr lang="en-CA" dirty="0"/>
@@ -4661,7 +4662,7 @@
           <a:lstStyle/>
           <a:p>
             <a:r>
-              <a:rPr lang="en-US" dirty="0" smtClean="0"/>
+              <a:rPr lang="en-US" dirty="0"/>
               <a:t>n6</a:t>
             </a:r>
             <a:endParaRPr lang="en-CA" dirty="0"/>
@@ -4676,7 +4677,7 @@
         </p:nvSpPr>
         <p:spPr>
           <a:xfrm flipH="1">
-            <a:off x="3122719" y="3467490"/>
+            <a:off x="3103298" y="3429000"/>
             <a:ext cx="631372" cy="620486"/>
           </a:xfrm>
           <a:prstGeom prst="rightBrace">
@@ -4729,7 +4730,7 @@
           <a:lstStyle/>
           <a:p>
             <a:r>
-              <a:rPr lang="en-US" dirty="0" smtClean="0"/>
+              <a:rPr lang="en-US" dirty="0"/>
               <a:t>n7</a:t>
             </a:r>
             <a:endParaRPr lang="en-CA" dirty="0"/>
@@ -4797,7 +4798,7 @@
           <a:lstStyle/>
           <a:p>
             <a:r>
-              <a:rPr lang="en-US" dirty="0" smtClean="0"/>
+              <a:rPr lang="en-US" dirty="0"/>
               <a:t>n8</a:t>
             </a:r>
             <a:endParaRPr lang="en-CA" dirty="0"/>
@@ -4865,7 +4866,7 @@
           <a:lstStyle/>
           <a:p>
             <a:r>
-              <a:rPr lang="en-US" dirty="0" smtClean="0"/>
+              <a:rPr lang="en-US" dirty="0"/>
               <a:t>n9</a:t>
             </a:r>
             <a:endParaRPr lang="en-CA" dirty="0"/>
@@ -4933,7 +4934,7 @@
           <a:lstStyle/>
           <a:p>
             <a:r>
-              <a:rPr lang="en-US" dirty="0" smtClean="0"/>
+              <a:rPr lang="en-US" dirty="0"/>
               <a:t>n12</a:t>
             </a:r>
             <a:endParaRPr lang="en-CA" dirty="0"/>
@@ -4963,7 +4964,7 @@
           <a:lstStyle/>
           <a:p>
             <a:r>
-              <a:rPr lang="en-US" dirty="0" smtClean="0"/>
+              <a:rPr lang="en-US" dirty="0"/>
               <a:t>(1,3)</a:t>
             </a:r>
             <a:endParaRPr lang="en-CA" dirty="0"/>
@@ -4993,7 +4994,7 @@
           <a:lstStyle/>
           <a:p>
             <a:r>
-              <a:rPr lang="en-US" dirty="0" smtClean="0"/>
+              <a:rPr lang="en-US" dirty="0"/>
               <a:t>(1,1)</a:t>
             </a:r>
             <a:endParaRPr lang="en-CA" dirty="0"/>
@@ -5023,16 +5024,8 @@
           <a:lstStyle/>
           <a:p>
             <a:r>
-              <a:rPr lang="en-US" dirty="0" smtClean="0"/>
-              <a:t>(</a:t>
-            </a:r>
-            <a:r>
-              <a:rPr lang="en-US" dirty="0" smtClean="0"/>
-              <a:t>1,7),(&lt;</a:t>
-            </a:r>
-            <a:r>
-              <a:rPr lang="en-US" dirty="0" smtClean="0"/>
-              <a:t>4, 10&gt;,7)</a:t>
+              <a:rPr lang="en-US" dirty="0"/>
+              <a:t>(1,7),(&lt;4, 10&gt;,7)</a:t>
             </a:r>
             <a:endParaRPr lang="en-CA" dirty="0"/>
           </a:p>
@@ -5061,24 +5054,8 @@
           <a:lstStyle/>
           <a:p>
             <a:r>
-              <a:rPr lang="en-US" dirty="0" smtClean="0"/>
-              <a:t>(&lt;4, </a:t>
-            </a:r>
-            <a:r>
-              <a:rPr lang="en-US" dirty="0" smtClean="0"/>
-              <a:t>12&gt;,</a:t>
-            </a:r>
-            <a:r>
-              <a:rPr lang="en-US" dirty="0" smtClean="0"/>
-              <a:t>5), </a:t>
-            </a:r>
-            <a:r>
-              <a:rPr lang="en-US" dirty="0" smtClean="0"/>
-              <a:t>(1,5</a:t>
-            </a:r>
-            <a:r>
-              <a:rPr lang="en-US" dirty="0" smtClean="0"/>
-              <a:t>)</a:t>
+              <a:rPr lang="en-US" dirty="0"/>
+              <a:t>(&lt;4, 12&gt;,5), (1,5)</a:t>
             </a:r>
             <a:endParaRPr lang="en-CA" dirty="0"/>
           </a:p>
@@ -5107,16 +5084,8 @@
           <a:lstStyle/>
           <a:p>
             <a:r>
-              <a:rPr lang="en-US" dirty="0" smtClean="0"/>
-              <a:t>(&lt;</a:t>
-            </a:r>
-            <a:r>
-              <a:rPr lang="en-US" dirty="0" smtClean="0"/>
-              <a:t>2,11&gt;,</a:t>
-            </a:r>
-            <a:r>
-              <a:rPr lang="en-US" dirty="0" smtClean="0"/>
-              <a:t>6)</a:t>
+              <a:rPr lang="en-US" dirty="0"/>
+              <a:t>(&lt;2,11&gt;,6)</a:t>
             </a:r>
             <a:endParaRPr lang="en-CA" dirty="0"/>
           </a:p>
@@ -5145,16 +5114,8 @@
           <a:lstStyle/>
           <a:p>
             <a:r>
-              <a:rPr lang="en-US" dirty="0" smtClean="0"/>
-              <a:t>(7,8</a:t>
-            </a:r>
-            <a:r>
               <a:rPr lang="en-US" dirty="0"/>
-              <a:t>), </a:t>
-            </a:r>
-            <a:r>
-              <a:rPr lang="en-US" dirty="0" smtClean="0"/>
-              <a:t>(3,8)</a:t>
+              <a:t>(7,8), (3,8)</a:t>
             </a:r>
             <a:endParaRPr lang="en-CA" dirty="0"/>
           </a:p>
@@ -5183,12 +5144,8 @@
           <a:lstStyle/>
           <a:p>
             <a:r>
-              <a:rPr lang="en-US" dirty="0" smtClean="0"/>
-              <a:t>(1,9), (1,9), </a:t>
-            </a:r>
-            <a:r>
-              <a:rPr lang="en-US" dirty="0" smtClean="0"/>
-              <a:t>(7,9)</a:t>
+              <a:rPr lang="en-US" dirty="0"/>
+              <a:t>(1,9), (1,9), (7,9)</a:t>
             </a:r>
             <a:endParaRPr lang="en-CA" dirty="0"/>
           </a:p>
@@ -5217,12 +5174,8 @@
           <a:lstStyle/>
           <a:p>
             <a:r>
-              <a:rPr lang="en-US" dirty="0" smtClean="0"/>
-              <a:t>(&lt;4, </a:t>
-            </a:r>
-            <a:r>
-              <a:rPr lang="en-US" dirty="0" smtClean="0"/>
-              <a:t>12&gt;,12)</a:t>
+              <a:rPr lang="en-US" dirty="0"/>
+              <a:t>(&lt;4, 12&gt;,12)</a:t>
             </a:r>
             <a:endParaRPr lang="en-CA" dirty="0"/>
           </a:p>
@@ -5251,13 +5204,13 @@
           <a:lstStyle/>
           <a:p>
             <a:r>
-              <a:rPr lang="en-US" dirty="0" smtClean="0"/>
+              <a:rPr lang="en-US" dirty="0"/>
               <a:t>Definition of pairs:</a:t>
             </a:r>
           </a:p>
           <a:p>
             <a:r>
-              <a:rPr lang="en-US" dirty="0" smtClean="0"/>
+              <a:rPr lang="en-US" dirty="0"/>
               <a:t>(where value is assigned, where it is used)</a:t>
             </a:r>
             <a:endParaRPr lang="en-CA" dirty="0"/>
@@ -5325,7 +5278,7 @@
           <a:lstStyle/>
           <a:p>
             <a:r>
-              <a:rPr lang="en-US" dirty="0" smtClean="0"/>
+              <a:rPr lang="en-US" dirty="0"/>
               <a:t>n10</a:t>
             </a:r>
             <a:endParaRPr lang="en-CA" dirty="0"/>
@@ -5393,7 +5346,7 @@
           <a:lstStyle/>
           <a:p>
             <a:r>
-              <a:rPr lang="en-US" dirty="0" smtClean="0"/>
+              <a:rPr lang="en-US" dirty="0"/>
               <a:t>n11</a:t>
             </a:r>
             <a:endParaRPr lang="en-CA" dirty="0"/>
@@ -5456,7 +5409,7 @@
           <a:lstStyle/>
           <a:p>
             <a:r>
-              <a:rPr lang="en-US" dirty="0" smtClean="0"/>
+              <a:rPr lang="en-US" dirty="0"/>
               <a:t>data</a:t>
             </a:r>
             <a:endParaRPr lang="en-CA" dirty="0"/>
@@ -5519,7 +5472,7 @@
           <a:lstStyle/>
           <a:p>
             <a:r>
-              <a:rPr lang="en-US" dirty="0" smtClean="0"/>
+              <a:rPr lang="en-US" dirty="0"/>
               <a:t>column</a:t>
             </a:r>
             <a:endParaRPr lang="en-CA" dirty="0"/>
@@ -5549,16 +5502,8 @@
           <a:lstStyle/>
           <a:p>
             <a:r>
-              <a:rPr lang="en-US" dirty="0" smtClean="0"/>
-              <a:t>(</a:t>
-            </a:r>
-            <a:r>
-              <a:rPr lang="en-US" dirty="0" smtClean="0"/>
-              <a:t>9</a:t>
-            </a:r>
-            <a:r>
-              <a:rPr lang="en-US" dirty="0" smtClean="0"/>
-              <a:t>,10)</a:t>
+              <a:rPr lang="en-US" dirty="0"/>
+              <a:t>(9,10)</a:t>
             </a:r>
             <a:endParaRPr lang="en-CA" dirty="0"/>
           </a:p>
@@ -5587,16 +5532,8 @@
           <a:lstStyle/>
           <a:p>
             <a:r>
-              <a:rPr lang="en-US" dirty="0" smtClean="0"/>
-              <a:t>(</a:t>
-            </a:r>
-            <a:r>
-              <a:rPr lang="en-US" dirty="0" smtClean="0"/>
-              <a:t>9</a:t>
-            </a:r>
-            <a:r>
-              <a:rPr lang="en-US" dirty="0" smtClean="0"/>
-              <a:t>,11)</a:t>
+              <a:rPr lang="en-US" dirty="0"/>
+              <a:t>(9,11)</a:t>
             </a:r>
             <a:endParaRPr lang="en-CA" dirty="0"/>
           </a:p>
@@ -5648,7 +5585,7 @@
           <a:lstStyle/>
           <a:p>
             <a:r>
-              <a:rPr lang="en-US" dirty="0" smtClean="0"/>
+              <a:rPr lang="en-US" dirty="0"/>
               <a:t>Per Variable</a:t>
             </a:r>
             <a:endParaRPr lang="en-CA" dirty="0"/>
@@ -5718,6 +5655,71 @@
     <p:extLst>
       <p:ext uri="{BB962C8B-B14F-4D97-AF65-F5344CB8AC3E}">
         <p14:creationId xmlns:p14="http://schemas.microsoft.com/office/powerpoint/2010/main" val="346312990"/>
+      </p:ext>
+    </p:extLst>
+  </p:cSld>
+  <p:clrMapOvr>
+    <a:masterClrMapping/>
+  </p:clrMapOvr>
+</p:sld>
+</file>
+
+<file path=ppt/slides/slide5.xml><?xml version="1.0" encoding="utf-8"?>
+<p:sld xmlns:a="http://schemas.openxmlformats.org/drawingml/2006/main" xmlns:r="http://schemas.openxmlformats.org/officeDocument/2006/relationships" xmlns:p="http://schemas.openxmlformats.org/presentationml/2006/main">
+  <p:cSld>
+    <p:spTree>
+      <p:nvGrpSpPr>
+        <p:cNvPr id="1" name=""/>
+        <p:cNvGrpSpPr/>
+        <p:nvPr/>
+      </p:nvGrpSpPr>
+      <p:grpSpPr>
+        <a:xfrm>
+          <a:off x="0" y="0"/>
+          <a:ext cx="0" cy="0"/>
+          <a:chOff x="0" y="0"/>
+          <a:chExt cx="0" cy="0"/>
+        </a:xfrm>
+      </p:grpSpPr>
+      <p:pic>
+        <p:nvPicPr>
+          <p:cNvPr id="5" name="Content Placeholder 4" descr="Graphical user interface, diagram, application&#10;&#10;Description automatically generated">
+            <a:extLst>
+              <a:ext uri="{FF2B5EF4-FFF2-40B4-BE49-F238E27FC236}">
+                <a16:creationId xmlns:a16="http://schemas.microsoft.com/office/drawing/2014/main" id="{A917AF24-4374-409F-8D7A-9CFF82D6FA34}"/>
+              </a:ext>
+            </a:extLst>
+          </p:cNvPr>
+          <p:cNvPicPr>
+            <a:picLocks noGrp="1" noChangeAspect="1"/>
+          </p:cNvPicPr>
+          <p:nvPr>
+            <p:ph idx="1"/>
+          </p:nvPr>
+        </p:nvPicPr>
+        <p:blipFill>
+          <a:blip r:embed="rId2">
+            <a:extLst>
+              <a:ext uri="{28A0092B-C50C-407E-A947-70E740481C1C}">
+                <a14:useLocalDpi xmlns:a14="http://schemas.microsoft.com/office/drawing/2010/main" val="0"/>
+              </a:ext>
+            </a:extLst>
+          </a:blip>
+          <a:stretch>
+            <a:fillRect/>
+          </a:stretch>
+        </p:blipFill>
+        <p:spPr>
+          <a:xfrm>
+            <a:off x="1002982" y="1739900"/>
+            <a:ext cx="10700108" cy="3362484"/>
+          </a:xfrm>
+        </p:spPr>
+      </p:pic>
+    </p:spTree>
+    <p:extLst>
+      <p:ext uri="{BB962C8B-B14F-4D97-AF65-F5344CB8AC3E}">
+        <p14:creationId xmlns:p14="http://schemas.microsoft.com/office/powerpoint/2010/main" val="419911750"/>
       </p:ext>
     </p:extLst>
   </p:cSld>

--- a/drafts/du pairs calcTotalColumns.pptx
+++ b/drafts/du pairs calcTotalColumns.pptx
@@ -10,6 +10,7 @@
     <p:sldId id="258" r:id="rId4"/>
     <p:sldId id="259" r:id="rId5"/>
     <p:sldId id="260" r:id="rId6"/>
+    <p:sldId id="261" r:id="rId7"/>
   </p:sldIdLst>
   <p:sldSz cx="12192000" cy="6858000"/>
   <p:notesSz cx="6858000" cy="9144000"/>
@@ -247,7 +248,7 @@
           <a:p>
             <a:fld id="{ED81A41D-0F35-47D3-9602-E6A894724C35}" type="datetimeFigureOut">
               <a:rPr lang="en-CA" smtClean="0"/>
-              <a:t>2022-03-05</a:t>
+              <a:t>2022-03-07</a:t>
             </a:fld>
             <a:endParaRPr lang="en-CA"/>
           </a:p>
@@ -417,7 +418,7 @@
           <a:p>
             <a:fld id="{ED81A41D-0F35-47D3-9602-E6A894724C35}" type="datetimeFigureOut">
               <a:rPr lang="en-CA" smtClean="0"/>
-              <a:t>2022-03-05</a:t>
+              <a:t>2022-03-07</a:t>
             </a:fld>
             <a:endParaRPr lang="en-CA"/>
           </a:p>
@@ -597,7 +598,7 @@
           <a:p>
             <a:fld id="{ED81A41D-0F35-47D3-9602-E6A894724C35}" type="datetimeFigureOut">
               <a:rPr lang="en-CA" smtClean="0"/>
-              <a:t>2022-03-05</a:t>
+              <a:t>2022-03-07</a:t>
             </a:fld>
             <a:endParaRPr lang="en-CA"/>
           </a:p>
@@ -767,7 +768,7 @@
           <a:p>
             <a:fld id="{ED81A41D-0F35-47D3-9602-E6A894724C35}" type="datetimeFigureOut">
               <a:rPr lang="en-CA" smtClean="0"/>
-              <a:t>2022-03-05</a:t>
+              <a:t>2022-03-07</a:t>
             </a:fld>
             <a:endParaRPr lang="en-CA"/>
           </a:p>
@@ -1013,7 +1014,7 @@
           <a:p>
             <a:fld id="{ED81A41D-0F35-47D3-9602-E6A894724C35}" type="datetimeFigureOut">
               <a:rPr lang="en-CA" smtClean="0"/>
-              <a:t>2022-03-05</a:t>
+              <a:t>2022-03-07</a:t>
             </a:fld>
             <a:endParaRPr lang="en-CA"/>
           </a:p>
@@ -1245,7 +1246,7 @@
           <a:p>
             <a:fld id="{ED81A41D-0F35-47D3-9602-E6A894724C35}" type="datetimeFigureOut">
               <a:rPr lang="en-CA" smtClean="0"/>
-              <a:t>2022-03-05</a:t>
+              <a:t>2022-03-07</a:t>
             </a:fld>
             <a:endParaRPr lang="en-CA"/>
           </a:p>
@@ -1612,7 +1613,7 @@
           <a:p>
             <a:fld id="{ED81A41D-0F35-47D3-9602-E6A894724C35}" type="datetimeFigureOut">
               <a:rPr lang="en-CA" smtClean="0"/>
-              <a:t>2022-03-05</a:t>
+              <a:t>2022-03-07</a:t>
             </a:fld>
             <a:endParaRPr lang="en-CA"/>
           </a:p>
@@ -1730,7 +1731,7 @@
           <a:p>
             <a:fld id="{ED81A41D-0F35-47D3-9602-E6A894724C35}" type="datetimeFigureOut">
               <a:rPr lang="en-CA" smtClean="0"/>
-              <a:t>2022-03-05</a:t>
+              <a:t>2022-03-07</a:t>
             </a:fld>
             <a:endParaRPr lang="en-CA"/>
           </a:p>
@@ -1825,7 +1826,7 @@
           <a:p>
             <a:fld id="{ED81A41D-0F35-47D3-9602-E6A894724C35}" type="datetimeFigureOut">
               <a:rPr lang="en-CA" smtClean="0"/>
-              <a:t>2022-03-05</a:t>
+              <a:t>2022-03-07</a:t>
             </a:fld>
             <a:endParaRPr lang="en-CA"/>
           </a:p>
@@ -2102,7 +2103,7 @@
           <a:p>
             <a:fld id="{ED81A41D-0F35-47D3-9602-E6A894724C35}" type="datetimeFigureOut">
               <a:rPr lang="en-CA" smtClean="0"/>
-              <a:t>2022-03-05</a:t>
+              <a:t>2022-03-07</a:t>
             </a:fld>
             <a:endParaRPr lang="en-CA"/>
           </a:p>
@@ -2355,7 +2356,7 @@
           <a:p>
             <a:fld id="{ED81A41D-0F35-47D3-9602-E6A894724C35}" type="datetimeFigureOut">
               <a:rPr lang="en-CA" smtClean="0"/>
-              <a:t>2022-03-05</a:t>
+              <a:t>2022-03-07</a:t>
             </a:fld>
             <a:endParaRPr lang="en-CA"/>
           </a:p>
@@ -2568,7 +2569,7 @@
           <a:p>
             <a:fld id="{ED81A41D-0F35-47D3-9602-E6A894724C35}" type="datetimeFigureOut">
               <a:rPr lang="en-CA" smtClean="0"/>
-              <a:t>2022-03-05</a:t>
+              <a:t>2022-03-07</a:t>
             </a:fld>
             <a:endParaRPr lang="en-CA"/>
           </a:p>
@@ -5729,6 +5730,72 @@
 </p:sld>
 </file>
 
+<file path=ppt/slides/slide6.xml><?xml version="1.0" encoding="utf-8"?>
+<p:sld xmlns:a="http://schemas.openxmlformats.org/drawingml/2006/main" xmlns:r="http://schemas.openxmlformats.org/officeDocument/2006/relationships" xmlns:p="http://schemas.openxmlformats.org/presentationml/2006/main">
+  <p:cSld>
+    <p:spTree>
+      <p:nvGrpSpPr>
+        <p:cNvPr id="1" name=""/>
+        <p:cNvGrpSpPr/>
+        <p:nvPr/>
+      </p:nvGrpSpPr>
+      <p:grpSpPr>
+        <a:xfrm>
+          <a:off x="0" y="0"/>
+          <a:ext cx="0" cy="0"/>
+          <a:chOff x="0" y="0"/>
+          <a:chExt cx="0" cy="0"/>
+        </a:xfrm>
+      </p:grpSpPr>
+      <p:pic>
+        <p:nvPicPr>
+          <p:cNvPr id="5" name="Picture 4" descr="Diagram&#10;&#10;Description automatically generated">
+            <a:extLst>
+              <a:ext uri="{FF2B5EF4-FFF2-40B4-BE49-F238E27FC236}">
+                <a16:creationId xmlns:a16="http://schemas.microsoft.com/office/drawing/2014/main" id="{B0EB6B8B-CD22-49D5-9884-262BB6171408}"/>
+              </a:ext>
+            </a:extLst>
+          </p:cNvPr>
+          <p:cNvPicPr>
+            <a:picLocks noChangeAspect="1"/>
+          </p:cNvPicPr>
+          <p:nvPr/>
+        </p:nvPicPr>
+        <p:blipFill>
+          <a:blip r:embed="rId2">
+            <a:extLst>
+              <a:ext uri="{28A0092B-C50C-407E-A947-70E740481C1C}">
+                <a14:useLocalDpi xmlns:a14="http://schemas.microsoft.com/office/drawing/2010/main" val="0"/>
+              </a:ext>
+            </a:extLst>
+          </a:blip>
+          <a:stretch>
+            <a:fillRect/>
+          </a:stretch>
+        </p:blipFill>
+        <p:spPr>
+          <a:xfrm>
+            <a:off x="731520" y="365760"/>
+            <a:ext cx="10114671" cy="6348138"/>
+          </a:xfrm>
+          <a:prstGeom prst="rect">
+            <a:avLst/>
+          </a:prstGeom>
+        </p:spPr>
+      </p:pic>
+    </p:spTree>
+    <p:extLst>
+      <p:ext uri="{BB962C8B-B14F-4D97-AF65-F5344CB8AC3E}">
+        <p14:creationId xmlns:p14="http://schemas.microsoft.com/office/powerpoint/2010/main" val="665737163"/>
+      </p:ext>
+    </p:extLst>
+  </p:cSld>
+  <p:clrMapOvr>
+    <a:masterClrMapping/>
+  </p:clrMapOvr>
+</p:sld>
+</file>
+
 <file path=ppt/theme/theme1.xml><?xml version="1.0" encoding="utf-8"?>
 <a:theme xmlns:a="http://schemas.openxmlformats.org/drawingml/2006/main" name="Office Theme">
   <a:themeElements>

--- a/drafts/du pairs calcTotalColumns.pptx
+++ b/drafts/du pairs calcTotalColumns.pptx
@@ -5684,10 +5684,10 @@
       </p:grpSpPr>
       <p:pic>
         <p:nvPicPr>
-          <p:cNvPr id="5" name="Content Placeholder 4" descr="Graphical user interface, diagram, application&#10;&#10;Description automatically generated">
+          <p:cNvPr id="6" name="Content Placeholder 5" descr="Diagram&#10;&#10;Description automatically generated">
             <a:extLst>
               <a:ext uri="{FF2B5EF4-FFF2-40B4-BE49-F238E27FC236}">
-                <a16:creationId xmlns:a16="http://schemas.microsoft.com/office/drawing/2014/main" id="{A917AF24-4374-409F-8D7A-9CFF82D6FA34}"/>
+                <a16:creationId xmlns:a16="http://schemas.microsoft.com/office/drawing/2014/main" id="{66A410CD-1239-48E4-BE19-51D0AC3E55F6}"/>
               </a:ext>
             </a:extLst>
           </p:cNvPr>
@@ -5712,8 +5712,8 @@
         </p:blipFill>
         <p:spPr>
           <a:xfrm>
-            <a:off x="1002982" y="1739900"/>
-            <a:ext cx="10700108" cy="3362484"/>
+            <a:off x="748615" y="785091"/>
+            <a:ext cx="10694770" cy="5859752"/>
           </a:xfrm>
         </p:spPr>
       </p:pic>

--- a/drafts/du pairs calcTotalColumns.pptx
+++ b/drafts/du pairs calcTotalColumns.pptx
@@ -10,7 +10,6 @@
     <p:sldId id="258" r:id="rId4"/>
     <p:sldId id="259" r:id="rId5"/>
     <p:sldId id="260" r:id="rId6"/>
-    <p:sldId id="261" r:id="rId7"/>
   </p:sldIdLst>
   <p:sldSz cx="12192000" cy="6858000"/>
   <p:notesSz cx="6858000" cy="9144000"/>
@@ -248,7 +247,7 @@
           <a:p>
             <a:fld id="{ED81A41D-0F35-47D3-9602-E6A894724C35}" type="datetimeFigureOut">
               <a:rPr lang="en-CA" smtClean="0"/>
-              <a:t>2022-03-07</a:t>
+              <a:t>2022-03-08</a:t>
             </a:fld>
             <a:endParaRPr lang="en-CA"/>
           </a:p>
@@ -418,7 +417,7 @@
           <a:p>
             <a:fld id="{ED81A41D-0F35-47D3-9602-E6A894724C35}" type="datetimeFigureOut">
               <a:rPr lang="en-CA" smtClean="0"/>
-              <a:t>2022-03-07</a:t>
+              <a:t>2022-03-08</a:t>
             </a:fld>
             <a:endParaRPr lang="en-CA"/>
           </a:p>
@@ -598,7 +597,7 @@
           <a:p>
             <a:fld id="{ED81A41D-0F35-47D3-9602-E6A894724C35}" type="datetimeFigureOut">
               <a:rPr lang="en-CA" smtClean="0"/>
-              <a:t>2022-03-07</a:t>
+              <a:t>2022-03-08</a:t>
             </a:fld>
             <a:endParaRPr lang="en-CA"/>
           </a:p>
@@ -768,7 +767,7 @@
           <a:p>
             <a:fld id="{ED81A41D-0F35-47D3-9602-E6A894724C35}" type="datetimeFigureOut">
               <a:rPr lang="en-CA" smtClean="0"/>
-              <a:t>2022-03-07</a:t>
+              <a:t>2022-03-08</a:t>
             </a:fld>
             <a:endParaRPr lang="en-CA"/>
           </a:p>
@@ -1014,7 +1013,7 @@
           <a:p>
             <a:fld id="{ED81A41D-0F35-47D3-9602-E6A894724C35}" type="datetimeFigureOut">
               <a:rPr lang="en-CA" smtClean="0"/>
-              <a:t>2022-03-07</a:t>
+              <a:t>2022-03-08</a:t>
             </a:fld>
             <a:endParaRPr lang="en-CA"/>
           </a:p>
@@ -1246,7 +1245,7 @@
           <a:p>
             <a:fld id="{ED81A41D-0F35-47D3-9602-E6A894724C35}" type="datetimeFigureOut">
               <a:rPr lang="en-CA" smtClean="0"/>
-              <a:t>2022-03-07</a:t>
+              <a:t>2022-03-08</a:t>
             </a:fld>
             <a:endParaRPr lang="en-CA"/>
           </a:p>
@@ -1613,7 +1612,7 @@
           <a:p>
             <a:fld id="{ED81A41D-0F35-47D3-9602-E6A894724C35}" type="datetimeFigureOut">
               <a:rPr lang="en-CA" smtClean="0"/>
-              <a:t>2022-03-07</a:t>
+              <a:t>2022-03-08</a:t>
             </a:fld>
             <a:endParaRPr lang="en-CA"/>
           </a:p>
@@ -1731,7 +1730,7 @@
           <a:p>
             <a:fld id="{ED81A41D-0F35-47D3-9602-E6A894724C35}" type="datetimeFigureOut">
               <a:rPr lang="en-CA" smtClean="0"/>
-              <a:t>2022-03-07</a:t>
+              <a:t>2022-03-08</a:t>
             </a:fld>
             <a:endParaRPr lang="en-CA"/>
           </a:p>
@@ -1826,7 +1825,7 @@
           <a:p>
             <a:fld id="{ED81A41D-0F35-47D3-9602-E6A894724C35}" type="datetimeFigureOut">
               <a:rPr lang="en-CA" smtClean="0"/>
-              <a:t>2022-03-07</a:t>
+              <a:t>2022-03-08</a:t>
             </a:fld>
             <a:endParaRPr lang="en-CA"/>
           </a:p>
@@ -2103,7 +2102,7 @@
           <a:p>
             <a:fld id="{ED81A41D-0F35-47D3-9602-E6A894724C35}" type="datetimeFigureOut">
               <a:rPr lang="en-CA" smtClean="0"/>
-              <a:t>2022-03-07</a:t>
+              <a:t>2022-03-08</a:t>
             </a:fld>
             <a:endParaRPr lang="en-CA"/>
           </a:p>
@@ -2356,7 +2355,7 @@
           <a:p>
             <a:fld id="{ED81A41D-0F35-47D3-9602-E6A894724C35}" type="datetimeFigureOut">
               <a:rPr lang="en-CA" smtClean="0"/>
-              <a:t>2022-03-07</a:t>
+              <a:t>2022-03-08</a:t>
             </a:fld>
             <a:endParaRPr lang="en-CA"/>
           </a:p>
@@ -2569,7 +2568,7 @@
           <a:p>
             <a:fld id="{ED81A41D-0F35-47D3-9602-E6A894724C35}" type="datetimeFigureOut">
               <a:rPr lang="en-CA" smtClean="0"/>
-              <a:t>2022-03-07</a:t>
+              <a:t>2022-03-08</a:t>
             </a:fld>
             <a:endParaRPr lang="en-CA"/>
           </a:p>
@@ -5682,111 +5681,97 @@
           <a:chExt cx="0" cy="0"/>
         </a:xfrm>
       </p:grpSpPr>
-      <p:pic>
-        <p:nvPicPr>
-          <p:cNvPr id="6" name="Content Placeholder 5" descr="Diagram&#10;&#10;Description automatically generated">
+      <p:grpSp>
+        <p:nvGrpSpPr>
+          <p:cNvPr id="9" name="Group 8">
             <a:extLst>
               <a:ext uri="{FF2B5EF4-FFF2-40B4-BE49-F238E27FC236}">
-                <a16:creationId xmlns:a16="http://schemas.microsoft.com/office/drawing/2014/main" id="{66A410CD-1239-48E4-BE19-51D0AC3E55F6}"/>
+                <a16:creationId xmlns:a16="http://schemas.microsoft.com/office/drawing/2014/main" id="{D1BB80EF-96CE-4469-9690-C6143992899C}"/>
               </a:ext>
             </a:extLst>
           </p:cNvPr>
-          <p:cNvPicPr>
-            <a:picLocks noGrp="1" noChangeAspect="1"/>
-          </p:cNvPicPr>
-          <p:nvPr>
-            <p:ph idx="1"/>
-          </p:nvPr>
-        </p:nvPicPr>
-        <p:blipFill>
-          <a:blip r:embed="rId2">
-            <a:extLst>
-              <a:ext uri="{28A0092B-C50C-407E-A947-70E740481C1C}">
-                <a14:useLocalDpi xmlns:a14="http://schemas.microsoft.com/office/drawing/2010/main" val="0"/>
-              </a:ext>
-            </a:extLst>
-          </a:blip>
-          <a:stretch>
-            <a:fillRect/>
-          </a:stretch>
-        </p:blipFill>
-        <p:spPr>
-          <a:xfrm>
-            <a:off x="748615" y="785091"/>
-            <a:ext cx="10694770" cy="5859752"/>
-          </a:xfrm>
-        </p:spPr>
-      </p:pic>
+          <p:cNvGrpSpPr/>
+          <p:nvPr/>
+        </p:nvGrpSpPr>
+        <p:grpSpPr>
+          <a:xfrm>
+            <a:off x="232012" y="0"/>
+            <a:ext cx="11505063" cy="6871648"/>
+            <a:chOff x="232012" y="0"/>
+            <a:chExt cx="11505063" cy="6871648"/>
+          </a:xfrm>
+        </p:grpSpPr>
+        <p:pic>
+          <p:nvPicPr>
+            <p:cNvPr id="5" name="Picture 4">
+              <a:extLst>
+                <a:ext uri="{FF2B5EF4-FFF2-40B4-BE49-F238E27FC236}">
+                  <a16:creationId xmlns:a16="http://schemas.microsoft.com/office/drawing/2014/main" id="{440EBC6B-15FF-4C6E-8BEF-1EA7F8A413AF}"/>
+                </a:ext>
+              </a:extLst>
+            </p:cNvPr>
+            <p:cNvPicPr>
+              <a:picLocks noChangeAspect="1"/>
+            </p:cNvPicPr>
+            <p:nvPr/>
+          </p:nvPicPr>
+          <p:blipFill>
+            <a:blip r:embed="rId2"/>
+            <a:stretch>
+              <a:fillRect/>
+            </a:stretch>
+          </p:blipFill>
+          <p:spPr>
+            <a:xfrm>
+              <a:off x="232012" y="0"/>
+              <a:ext cx="11505063" cy="6858000"/>
+            </a:xfrm>
+            <a:prstGeom prst="rect">
+              <a:avLst/>
+            </a:prstGeom>
+          </p:spPr>
+        </p:pic>
+        <p:pic>
+          <p:nvPicPr>
+            <p:cNvPr id="8" name="Picture 7" descr="Table&#10;&#10;Description automatically generated">
+              <a:extLst>
+                <a:ext uri="{FF2B5EF4-FFF2-40B4-BE49-F238E27FC236}">
+                  <a16:creationId xmlns:a16="http://schemas.microsoft.com/office/drawing/2014/main" id="{88379B77-72C7-49D0-934C-2917F8C5D1B3}"/>
+                </a:ext>
+              </a:extLst>
+            </p:cNvPr>
+            <p:cNvPicPr>
+              <a:picLocks noChangeAspect="1"/>
+            </p:cNvPicPr>
+            <p:nvPr/>
+          </p:nvPicPr>
+          <p:blipFill>
+            <a:blip r:embed="rId3">
+              <a:extLst>
+                <a:ext uri="{28A0092B-C50C-407E-A947-70E740481C1C}">
+                  <a14:useLocalDpi xmlns:a14="http://schemas.microsoft.com/office/drawing/2010/main" val="0"/>
+                </a:ext>
+              </a:extLst>
+            </a:blip>
+            <a:stretch>
+              <a:fillRect/>
+            </a:stretch>
+          </p:blipFill>
+          <p:spPr>
+            <a:xfrm>
+              <a:off x="928044" y="3903259"/>
+              <a:ext cx="2437503" cy="2968389"/>
+            </a:xfrm>
+            <a:prstGeom prst="rect">
+              <a:avLst/>
+            </a:prstGeom>
+          </p:spPr>
+        </p:pic>
+      </p:grpSp>
     </p:spTree>
     <p:extLst>
       <p:ext uri="{BB962C8B-B14F-4D97-AF65-F5344CB8AC3E}">
         <p14:creationId xmlns:p14="http://schemas.microsoft.com/office/powerpoint/2010/main" val="419911750"/>
-      </p:ext>
-    </p:extLst>
-  </p:cSld>
-  <p:clrMapOvr>
-    <a:masterClrMapping/>
-  </p:clrMapOvr>
-</p:sld>
-</file>
-
-<file path=ppt/slides/slide6.xml><?xml version="1.0" encoding="utf-8"?>
-<p:sld xmlns:a="http://schemas.openxmlformats.org/drawingml/2006/main" xmlns:r="http://schemas.openxmlformats.org/officeDocument/2006/relationships" xmlns:p="http://schemas.openxmlformats.org/presentationml/2006/main">
-  <p:cSld>
-    <p:spTree>
-      <p:nvGrpSpPr>
-        <p:cNvPr id="1" name=""/>
-        <p:cNvGrpSpPr/>
-        <p:nvPr/>
-      </p:nvGrpSpPr>
-      <p:grpSpPr>
-        <a:xfrm>
-          <a:off x="0" y="0"/>
-          <a:ext cx="0" cy="0"/>
-          <a:chOff x="0" y="0"/>
-          <a:chExt cx="0" cy="0"/>
-        </a:xfrm>
-      </p:grpSpPr>
-      <p:pic>
-        <p:nvPicPr>
-          <p:cNvPr id="5" name="Picture 4" descr="Diagram&#10;&#10;Description automatically generated">
-            <a:extLst>
-              <a:ext uri="{FF2B5EF4-FFF2-40B4-BE49-F238E27FC236}">
-                <a16:creationId xmlns:a16="http://schemas.microsoft.com/office/drawing/2014/main" id="{B0EB6B8B-CD22-49D5-9884-262BB6171408}"/>
-              </a:ext>
-            </a:extLst>
-          </p:cNvPr>
-          <p:cNvPicPr>
-            <a:picLocks noChangeAspect="1"/>
-          </p:cNvPicPr>
-          <p:nvPr/>
-        </p:nvPicPr>
-        <p:blipFill>
-          <a:blip r:embed="rId2">
-            <a:extLst>
-              <a:ext uri="{28A0092B-C50C-407E-A947-70E740481C1C}">
-                <a14:useLocalDpi xmlns:a14="http://schemas.microsoft.com/office/drawing/2010/main" val="0"/>
-              </a:ext>
-            </a:extLst>
-          </a:blip>
-          <a:stretch>
-            <a:fillRect/>
-          </a:stretch>
-        </p:blipFill>
-        <p:spPr>
-          <a:xfrm>
-            <a:off x="731520" y="365760"/>
-            <a:ext cx="10114671" cy="6348138"/>
-          </a:xfrm>
-          <a:prstGeom prst="rect">
-            <a:avLst/>
-          </a:prstGeom>
-        </p:spPr>
-      </p:pic>
-    </p:spTree>
-    <p:extLst>
-      <p:ext uri="{BB962C8B-B14F-4D97-AF65-F5344CB8AC3E}">
-        <p14:creationId xmlns:p14="http://schemas.microsoft.com/office/powerpoint/2010/main" val="665737163"/>
       </p:ext>
     </p:extLst>
   </p:cSld>
